--- a/MPR.pptx
+++ b/MPR.pptx
@@ -5,7 +5,7 @@
     <p:sldMasterId id="2147483648" r:id="rId1"/>
   </p:sldMasterIdLst>
   <p:notesMasterIdLst>
-    <p:notesMasterId r:id="rId16"/>
+    <p:notesMasterId r:id="rId14"/>
   </p:notesMasterIdLst>
   <p:sldIdLst>
     <p:sldId id="256" r:id="rId2"/>
@@ -20,8 +20,6 @@
     <p:sldId id="265" r:id="rId11"/>
     <p:sldId id="266" r:id="rId12"/>
     <p:sldId id="267" r:id="rId13"/>
-    <p:sldId id="268" r:id="rId14"/>
-    <p:sldId id="269" r:id="rId15"/>
   </p:sldIdLst>
   <p:sldSz cx="14630400" cy="8229600"/>
   <p:notesSz cx="8229600" cy="14630400"/>
@@ -150,7 +148,7 @@
     </p:spTree>
     <p:extLst>
       <p:ext uri="{BB962C8B-B14F-4D97-AF65-F5344CB8AC3E}">
-        <p14:creationId xmlns:p14="http://schemas.microsoft.com/office/powerpoint/2010/main" val="3127315898"/>
+        <p14:creationId xmlns:p14="http://schemas.microsoft.com/office/powerpoint/2010/main" val="4087992027"/>
       </p:ext>
     </p:extLst>
   </p:cSld>
@@ -586,174 +584,6 @@
 </p:notes>
 </file>
 
-<file path=ppt/notesSlides/notesSlide13.xml><?xml version="1.0" encoding="utf-8"?>
-<p:notes xmlns:a="http://schemas.openxmlformats.org/drawingml/2006/main" xmlns:r="http://schemas.openxmlformats.org/officeDocument/2006/relationships" xmlns:p="http://schemas.openxmlformats.org/presentationml/2006/main">
-  <p:cSld>
-    <p:spTree>
-      <p:nvGrpSpPr>
-        <p:cNvPr id="1" name=""/>
-        <p:cNvGrpSpPr/>
-        <p:nvPr/>
-      </p:nvGrpSpPr>
-      <p:grpSpPr>
-        <a:xfrm>
-          <a:off x="0" y="0"/>
-          <a:ext cx="0" cy="0"/>
-          <a:chOff x="0" y="0"/>
-          <a:chExt cx="0" cy="0"/>
-        </a:xfrm>
-      </p:grpSpPr>
-      <p:sp>
-        <p:nvSpPr>
-          <p:cNvPr id="2" name="Slide Image Placeholder 1"/>
-          <p:cNvSpPr>
-            <a:spLocks noGrp="1" noRot="1" noChangeAspect="1"/>
-          </p:cNvSpPr>
-          <p:nvPr>
-            <p:ph type="sldImg"/>
-          </p:nvPr>
-        </p:nvSpPr>
-        <p:spPr/>
-      </p:sp>
-      <p:sp>
-        <p:nvSpPr>
-          <p:cNvPr id="3" name="Notes Placeholder 2"/>
-          <p:cNvSpPr>
-            <a:spLocks noGrp="1"/>
-          </p:cNvSpPr>
-          <p:nvPr>
-            <p:ph type="body" idx="1"/>
-          </p:nvPr>
-        </p:nvSpPr>
-        <p:spPr/>
-        <p:txBody>
-          <a:bodyPr/>
-          <a:lstStyle/>
-          <a:p>
-            <a:endParaRPr lang="en-US" dirty="0"/>
-          </a:p>
-        </p:txBody>
-      </p:sp>
-      <p:sp>
-        <p:nvSpPr>
-          <p:cNvPr id="4" name="Slide Number Placeholder 3"/>
-          <p:cNvSpPr>
-            <a:spLocks noGrp="1"/>
-          </p:cNvSpPr>
-          <p:nvPr>
-            <p:ph type="sldNum" sz="quarter" idx="10"/>
-          </p:nvPr>
-        </p:nvSpPr>
-        <p:spPr/>
-        <p:txBody>
-          <a:bodyPr/>
-          <a:lstStyle/>
-          <a:p>
-            <a:fld id="{F7021451-1387-4CA6-816F-3879F97B5CBC}" type="slidenum">
-              <a:rPr lang="en-US"/>
-              <a:t>13</a:t>
-            </a:fld>
-            <a:endParaRPr lang="en-US"/>
-          </a:p>
-        </p:txBody>
-      </p:sp>
-    </p:spTree>
-    <p:extLst>
-      <p:ext uri="{BB962C8B-B14F-4D97-AF65-F5344CB8AC3E}">
-        <p14:creationId xmlns:p14="http://schemas.microsoft.com/office/powerpoint/2010/main" val="1024086991"/>
-      </p:ext>
-    </p:extLst>
-  </p:cSld>
-  <p:clrMapOvr>
-    <a:masterClrMapping/>
-  </p:clrMapOvr>
-</p:notes>
-</file>
-
-<file path=ppt/notesSlides/notesSlide14.xml><?xml version="1.0" encoding="utf-8"?>
-<p:notes xmlns:a="http://schemas.openxmlformats.org/drawingml/2006/main" xmlns:r="http://schemas.openxmlformats.org/officeDocument/2006/relationships" xmlns:p="http://schemas.openxmlformats.org/presentationml/2006/main">
-  <p:cSld>
-    <p:spTree>
-      <p:nvGrpSpPr>
-        <p:cNvPr id="1" name=""/>
-        <p:cNvGrpSpPr/>
-        <p:nvPr/>
-      </p:nvGrpSpPr>
-      <p:grpSpPr>
-        <a:xfrm>
-          <a:off x="0" y="0"/>
-          <a:ext cx="0" cy="0"/>
-          <a:chOff x="0" y="0"/>
-          <a:chExt cx="0" cy="0"/>
-        </a:xfrm>
-      </p:grpSpPr>
-      <p:sp>
-        <p:nvSpPr>
-          <p:cNvPr id="2" name="Slide Image Placeholder 1"/>
-          <p:cNvSpPr>
-            <a:spLocks noGrp="1" noRot="1" noChangeAspect="1"/>
-          </p:cNvSpPr>
-          <p:nvPr>
-            <p:ph type="sldImg"/>
-          </p:nvPr>
-        </p:nvSpPr>
-        <p:spPr/>
-      </p:sp>
-      <p:sp>
-        <p:nvSpPr>
-          <p:cNvPr id="3" name="Notes Placeholder 2"/>
-          <p:cNvSpPr>
-            <a:spLocks noGrp="1"/>
-          </p:cNvSpPr>
-          <p:nvPr>
-            <p:ph type="body" idx="1"/>
-          </p:nvPr>
-        </p:nvSpPr>
-        <p:spPr/>
-        <p:txBody>
-          <a:bodyPr/>
-          <a:lstStyle/>
-          <a:p>
-            <a:endParaRPr lang="en-US" dirty="0"/>
-          </a:p>
-        </p:txBody>
-      </p:sp>
-      <p:sp>
-        <p:nvSpPr>
-          <p:cNvPr id="4" name="Slide Number Placeholder 3"/>
-          <p:cNvSpPr>
-            <a:spLocks noGrp="1"/>
-          </p:cNvSpPr>
-          <p:nvPr>
-            <p:ph type="sldNum" sz="quarter" idx="10"/>
-          </p:nvPr>
-        </p:nvSpPr>
-        <p:spPr/>
-        <p:txBody>
-          <a:bodyPr/>
-          <a:lstStyle/>
-          <a:p>
-            <a:fld id="{F7021451-1387-4CA6-816F-3879F97B5CBC}" type="slidenum">
-              <a:rPr lang="en-US"/>
-              <a:t>14</a:t>
-            </a:fld>
-            <a:endParaRPr lang="en-US"/>
-          </a:p>
-        </p:txBody>
-      </p:sp>
-    </p:spTree>
-    <p:extLst>
-      <p:ext uri="{BB962C8B-B14F-4D97-AF65-F5344CB8AC3E}">
-        <p14:creationId xmlns:p14="http://schemas.microsoft.com/office/powerpoint/2010/main" val="1024086991"/>
-      </p:ext>
-    </p:extLst>
-  </p:cSld>
-  <p:clrMapOvr>
-    <a:masterClrMapping/>
-  </p:clrMapOvr>
-</p:notes>
-</file>
-
 <file path=ppt/notesSlides/notesSlide2.xml><?xml version="1.0" encoding="utf-8"?>
 <p:notes xmlns:a="http://schemas.openxmlformats.org/drawingml/2006/main" xmlns:r="http://schemas.openxmlformats.org/officeDocument/2006/relationships" xmlns:p="http://schemas.openxmlformats.org/presentationml/2006/main">
   <p:cSld>
@@ -1803,7 +1633,7 @@
         </p:nvSpPr>
         <p:spPr>
           <a:xfrm>
-            <a:off x="864037" y="1418034"/>
+            <a:off x="864037" y="990719"/>
             <a:ext cx="8517612" cy="1064657"/>
           </a:xfrm>
           <a:prstGeom prst="rect">
@@ -1853,7 +1683,7 @@
         </p:blipFill>
         <p:spPr>
           <a:xfrm>
-            <a:off x="864037" y="3130629"/>
+            <a:off x="864037" y="2703314"/>
             <a:ext cx="5170884" cy="3403283"/>
           </a:xfrm>
           <a:prstGeom prst="rect">
@@ -1869,7 +1699,7 @@
         </p:nvSpPr>
         <p:spPr>
           <a:xfrm>
-            <a:off x="7623929" y="3099792"/>
+            <a:off x="7623929" y="2672477"/>
             <a:ext cx="4937760" cy="617101"/>
           </a:xfrm>
           <a:prstGeom prst="rect">
@@ -1889,7 +1719,7 @@
               <a:buNone/>
             </a:pPr>
             <a:r>
-              <a:rPr lang="en-US" sz="3888" dirty="0">
+              <a:rPr lang="en-US" sz="3888" b="1" i="1" dirty="0">
                 <a:solidFill>
                   <a:srgbClr val="EFD5FA"/>
                 </a:solidFill>
@@ -1897,6 +1727,48 @@
                 <a:ea typeface="Instrument Sans" pitchFamily="34" charset="-122"/>
                 <a:cs typeface="Instrument Sans" pitchFamily="34" charset="-120"/>
               </a:rPr>
+              <a:t>Supervisor:</a:t>
+            </a:r>
+            <a:endParaRPr lang="en-US" sz="3888" dirty="0"/>
+          </a:p>
+        </p:txBody>
+      </p:sp>
+      <p:sp>
+        <p:nvSpPr>
+          <p:cNvPr id="7" name="Text 4"/>
+          <p:cNvSpPr/>
+          <p:nvPr/>
+        </p:nvSpPr>
+        <p:spPr>
+          <a:xfrm>
+            <a:off x="7623929" y="3536394"/>
+            <a:ext cx="4937760" cy="617101"/>
+          </a:xfrm>
+          <a:prstGeom prst="rect">
+            <a:avLst/>
+          </a:prstGeom>
+          <a:noFill/>
+          <a:ln/>
+        </p:spPr>
+        <p:txBody>
+          <a:bodyPr wrap="none" rtlCol="0" anchor="t"/>
+          <a:lstStyle/>
+          <a:p>
+            <a:pPr marL="0" indent="0">
+              <a:lnSpc>
+                <a:spcPts val="4860"/>
+              </a:lnSpc>
+              <a:buNone/>
+            </a:pPr>
+            <a:r>
+              <a:rPr lang="en-US" sz="3888" dirty="0">
+                <a:solidFill>
+                  <a:srgbClr val="EFD5FA"/>
+                </a:solidFill>
+                <a:latin typeface="Instrument Sans" pitchFamily="34" charset="0"/>
+                <a:ea typeface="Instrument Sans" pitchFamily="34" charset="-122"/>
+                <a:cs typeface="Instrument Sans" pitchFamily="34" charset="-120"/>
+              </a:rPr>
               <a:t>Dr. Anil Chhangani</a:t>
             </a:r>
             <a:endParaRPr lang="en-US" sz="3888" dirty="0"/>
@@ -1905,13 +1777,13 @@
       </p:sp>
       <p:sp>
         <p:nvSpPr>
-          <p:cNvPr id="7" name="Text 4"/>
-          <p:cNvSpPr/>
-          <p:nvPr/>
-        </p:nvSpPr>
-        <p:spPr>
-          <a:xfrm>
-            <a:off x="7623929" y="3963710"/>
+          <p:cNvPr id="8" name="Text 5"/>
+          <p:cNvSpPr/>
+          <p:nvPr/>
+        </p:nvSpPr>
+        <p:spPr>
+          <a:xfrm>
+            <a:off x="7623929" y="4400312"/>
             <a:ext cx="3703320" cy="462796"/>
           </a:xfrm>
           <a:prstGeom prst="rect">
@@ -1931,7 +1803,7 @@
               <a:buNone/>
             </a:pPr>
             <a:r>
-              <a:rPr lang="en-US" sz="2916" dirty="0">
+              <a:rPr lang="en-US" sz="2916" b="1" i="1" dirty="0">
                 <a:solidFill>
                   <a:srgbClr val="EFD5FA"/>
                 </a:solidFill>
@@ -1939,7 +1811,7 @@
                 <a:ea typeface="Instrument Sans" pitchFamily="34" charset="-122"/>
                 <a:cs typeface="Instrument Sans" pitchFamily="34" charset="-120"/>
               </a:rPr>
-              <a:t>Arnav Das</a:t>
+              <a:t>Presented by:</a:t>
             </a:r>
             <a:endParaRPr lang="en-US" sz="2916" dirty="0"/>
           </a:p>
@@ -1947,13 +1819,13 @@
       </p:sp>
       <p:sp>
         <p:nvSpPr>
-          <p:cNvPr id="8" name="Text 5"/>
-          <p:cNvSpPr/>
-          <p:nvPr/>
-        </p:nvSpPr>
-        <p:spPr>
-          <a:xfrm>
-            <a:off x="7623929" y="4673322"/>
+          <p:cNvPr id="9" name="Text 6"/>
+          <p:cNvSpPr/>
+          <p:nvPr/>
+        </p:nvSpPr>
+        <p:spPr>
+          <a:xfrm>
+            <a:off x="7623929" y="5109924"/>
             <a:ext cx="3703320" cy="462796"/>
           </a:xfrm>
           <a:prstGeom prst="rect">
@@ -1981,6 +1853,48 @@
                 <a:ea typeface="Instrument Sans" pitchFamily="34" charset="-122"/>
                 <a:cs typeface="Instrument Sans" pitchFamily="34" charset="-120"/>
               </a:rPr>
+              <a:t>Arnav Das</a:t>
+            </a:r>
+            <a:endParaRPr lang="en-US" sz="2916" dirty="0"/>
+          </a:p>
+        </p:txBody>
+      </p:sp>
+      <p:sp>
+        <p:nvSpPr>
+          <p:cNvPr id="10" name="Text 7"/>
+          <p:cNvSpPr/>
+          <p:nvPr/>
+        </p:nvSpPr>
+        <p:spPr>
+          <a:xfrm>
+            <a:off x="7623929" y="5819537"/>
+            <a:ext cx="3703320" cy="462796"/>
+          </a:xfrm>
+          <a:prstGeom prst="rect">
+            <a:avLst/>
+          </a:prstGeom>
+          <a:noFill/>
+          <a:ln/>
+        </p:spPr>
+        <p:txBody>
+          <a:bodyPr wrap="none" rtlCol="0" anchor="t"/>
+          <a:lstStyle/>
+          <a:p>
+            <a:pPr marL="0" indent="0">
+              <a:lnSpc>
+                <a:spcPts val="3645"/>
+              </a:lnSpc>
+              <a:buNone/>
+            </a:pPr>
+            <a:r>
+              <a:rPr lang="en-US" sz="2916" dirty="0">
+                <a:solidFill>
+                  <a:srgbClr val="EFD5FA"/>
+                </a:solidFill>
+                <a:latin typeface="Instrument Sans" pitchFamily="34" charset="0"/>
+                <a:ea typeface="Instrument Sans" pitchFamily="34" charset="-122"/>
+                <a:cs typeface="Instrument Sans" pitchFamily="34" charset="-120"/>
+              </a:rPr>
               <a:t>Rahul Gavhar</a:t>
             </a:r>
             <a:endParaRPr lang="en-US" sz="2916" dirty="0"/>
@@ -1989,13 +1903,13 @@
       </p:sp>
       <p:sp>
         <p:nvSpPr>
-          <p:cNvPr id="9" name="Text 6"/>
-          <p:cNvSpPr/>
-          <p:nvPr/>
-        </p:nvSpPr>
-        <p:spPr>
-          <a:xfrm>
-            <a:off x="7623929" y="5382935"/>
+          <p:cNvPr id="11" name="Text 8"/>
+          <p:cNvSpPr/>
+          <p:nvPr/>
+        </p:nvSpPr>
+        <p:spPr>
+          <a:xfrm>
+            <a:off x="7623929" y="6529149"/>
             <a:ext cx="3703320" cy="462796"/>
           </a:xfrm>
           <a:prstGeom prst="rect">
@@ -2111,7 +2025,7 @@
         <p:spPr>
           <a:xfrm>
             <a:off x="864037" y="735568"/>
-            <a:ext cx="11638240" cy="6758464"/>
+            <a:ext cx="11345108" cy="6758464"/>
           </a:xfrm>
           <a:prstGeom prst="rect">
             <a:avLst/>
@@ -2183,30 +2097,252 @@
           <a:ln/>
         </p:spPr>
       </p:sp>
-      <p:pic>
-        <p:nvPicPr>
-          <p:cNvPr id="4" name="Image 0" descr="preencoded.png"/>
-          <p:cNvPicPr>
-            <a:picLocks noChangeAspect="1"/>
-          </p:cNvPicPr>
-          <p:nvPr/>
-        </p:nvPicPr>
-        <p:blipFill>
-          <a:blip r:embed="rId3"/>
-          <a:stretch>
-            <a:fillRect/>
-          </a:stretch>
-        </p:blipFill>
-        <p:spPr>
-          <a:xfrm>
-            <a:off x="864037" y="735568"/>
-            <a:ext cx="11281291" cy="6758464"/>
-          </a:xfrm>
-          <a:prstGeom prst="rect">
-            <a:avLst/>
-          </a:prstGeom>
-        </p:spPr>
-      </p:pic>
+      <p:sp>
+        <p:nvSpPr>
+          <p:cNvPr id="4" name="Text 2"/>
+          <p:cNvSpPr/>
+          <p:nvPr/>
+        </p:nvSpPr>
+        <p:spPr>
+          <a:xfrm>
+            <a:off x="864037" y="2042636"/>
+            <a:ext cx="4937760" cy="617101"/>
+          </a:xfrm>
+          <a:prstGeom prst="rect">
+            <a:avLst/>
+          </a:prstGeom>
+          <a:noFill/>
+          <a:ln/>
+        </p:spPr>
+        <p:txBody>
+          <a:bodyPr wrap="none" rtlCol="0" anchor="t"/>
+          <a:lstStyle/>
+          <a:p>
+            <a:pPr marL="0" indent="0">
+              <a:lnSpc>
+                <a:spcPts val="4860"/>
+              </a:lnSpc>
+              <a:buNone/>
+            </a:pPr>
+            <a:r>
+              <a:rPr lang="en-US" sz="3888" dirty="0">
+                <a:solidFill>
+                  <a:srgbClr val="EFD5FA"/>
+                </a:solidFill>
+                <a:latin typeface="Instrument Sans" pitchFamily="34" charset="0"/>
+                <a:ea typeface="Instrument Sans" pitchFamily="34" charset="-122"/>
+                <a:cs typeface="Instrument Sans" pitchFamily="34" charset="-120"/>
+              </a:rPr>
+              <a:t>Rersearch Papers:</a:t>
+            </a:r>
+            <a:endParaRPr lang="en-US" sz="3888" dirty="0"/>
+          </a:p>
+        </p:txBody>
+      </p:sp>
+      <p:sp>
+        <p:nvSpPr>
+          <p:cNvPr id="5" name="Text 3"/>
+          <p:cNvSpPr/>
+          <p:nvPr/>
+        </p:nvSpPr>
+        <p:spPr>
+          <a:xfrm>
+            <a:off x="864037" y="2906554"/>
+            <a:ext cx="12902327" cy="771525"/>
+          </a:xfrm>
+          <a:prstGeom prst="rect">
+            <a:avLst/>
+          </a:prstGeom>
+          <a:noFill/>
+          <a:ln/>
+        </p:spPr>
+        <p:txBody>
+          <a:bodyPr wrap="square" rtlCol="0" anchor="t"/>
+          <a:lstStyle/>
+          <a:p>
+            <a:pPr marL="0" indent="0">
+              <a:lnSpc>
+                <a:spcPts val="3038"/>
+              </a:lnSpc>
+              <a:buNone/>
+            </a:pPr>
+            <a:r>
+              <a:rPr lang="en-US" sz="2430" dirty="0">
+                <a:solidFill>
+                  <a:srgbClr val="EFD5FA"/>
+                </a:solidFill>
+                <a:latin typeface="Instrument Sans" pitchFamily="34" charset="0"/>
+                <a:ea typeface="Instrument Sans" pitchFamily="34" charset="-122"/>
+                <a:cs typeface="Instrument Sans" pitchFamily="34" charset="-120"/>
+              </a:rPr>
+              <a:t>Alan B. Johnston and Daniel C. Burnett, WebRTC: APIs and RTCWEB protocols of the HTML5 real-time web, Digital Codex LLC, 2013.</a:t>
+            </a:r>
+            <a:endParaRPr lang="en-US" sz="2430" dirty="0"/>
+          </a:p>
+        </p:txBody>
+      </p:sp>
+      <p:sp>
+        <p:nvSpPr>
+          <p:cNvPr id="6" name="Text 4"/>
+          <p:cNvSpPr/>
+          <p:nvPr/>
+        </p:nvSpPr>
+        <p:spPr>
+          <a:xfrm>
+            <a:off x="864037" y="4048363"/>
+            <a:ext cx="12902327" cy="395049"/>
+          </a:xfrm>
+          <a:prstGeom prst="rect">
+            <a:avLst/>
+          </a:prstGeom>
+          <a:noFill/>
+          <a:ln/>
+        </p:spPr>
+        <p:txBody>
+          <a:bodyPr wrap="none" rtlCol="0" anchor="t"/>
+          <a:lstStyle/>
+          <a:p>
+            <a:pPr marL="0" indent="0">
+              <a:lnSpc>
+                <a:spcPts val="3110"/>
+              </a:lnSpc>
+              <a:buNone/>
+            </a:pPr>
+            <a:r>
+              <a:rPr lang="en-US" sz="1944" u="sng" dirty="0">
+                <a:solidFill>
+                  <a:srgbClr val="FDC4C4"/>
+                </a:solidFill>
+                <a:latin typeface="Inter" pitchFamily="34" charset="0"/>
+                <a:ea typeface="Inter" pitchFamily="34" charset="-122"/>
+                <a:cs typeface="Inter" pitchFamily="34" charset="-120"/>
+                <a:hlinkClick r:id="rId3">
+                  <a:extLst>
+                    <a:ext uri="{A12FA001-AC4F-418D-AE19-62706E023703}">
+                      <ahyp:hlinkClr xmlns:ahyp="http://schemas.microsoft.com/office/drawing/2018/hyperlinkcolor" val="tx"/>
+                    </a:ext>
+                  </a:extLst>
+                </a:hlinkClick>
+              </a:rPr>
+              <a:t>Google Scholar</a:t>
+            </a:r>
+            <a:endParaRPr lang="en-US" sz="1944" dirty="0"/>
+          </a:p>
+        </p:txBody>
+      </p:sp>
+      <p:sp>
+        <p:nvSpPr>
+          <p:cNvPr id="7" name="Text 5"/>
+          <p:cNvSpPr/>
+          <p:nvPr/>
+        </p:nvSpPr>
+        <p:spPr>
+          <a:xfrm>
+            <a:off x="864037" y="4813697"/>
+            <a:ext cx="12442508" cy="385763"/>
+          </a:xfrm>
+          <a:prstGeom prst="rect">
+            <a:avLst/>
+          </a:prstGeom>
+          <a:noFill/>
+          <a:ln/>
+        </p:spPr>
+        <p:txBody>
+          <a:bodyPr wrap="none" rtlCol="0" anchor="t"/>
+          <a:lstStyle/>
+          <a:p>
+            <a:pPr marL="0" indent="0">
+              <a:lnSpc>
+                <a:spcPts val="3038"/>
+              </a:lnSpc>
+              <a:buNone/>
+            </a:pPr>
+            <a:r>
+              <a:rPr lang="en-US" sz="2430" i="1" dirty="0">
+                <a:solidFill>
+                  <a:srgbClr val="EFD5FA"/>
+                </a:solidFill>
+                <a:latin typeface="Instrument Sans" pitchFamily="34" charset="0"/>
+                <a:ea typeface="Instrument Sans" pitchFamily="34" charset="-122"/>
+                <a:cs typeface="Instrument Sans" pitchFamily="34" charset="-120"/>
+              </a:rPr>
+              <a:t>WebRTC Architecture [S/OL]</a:t>
+            </a:r>
+            <a:r>
+              <a:rPr lang="en-US" sz="2430" dirty="0">
+                <a:solidFill>
+                  <a:srgbClr val="EFD5FA"/>
+                </a:solidFill>
+                <a:latin typeface="Instrument Sans" pitchFamily="34" charset="0"/>
+                <a:ea typeface="Instrument Sans" pitchFamily="34" charset="-122"/>
+                <a:cs typeface="Instrument Sans" pitchFamily="34" charset="-120"/>
+              </a:rPr>
+              <a:t>, [online] Available: </a:t>
+            </a:r>
+            <a:r>
+              <a:rPr lang="en-US" sz="2430" u="sng" dirty="0">
+                <a:solidFill>
+                  <a:srgbClr val="FDC4C4"/>
+                </a:solidFill>
+                <a:latin typeface="Instrument Sans" pitchFamily="34" charset="0"/>
+                <a:ea typeface="Instrument Sans" pitchFamily="34" charset="-122"/>
+                <a:cs typeface="Instrument Sans" pitchFamily="34" charset="-120"/>
+                <a:hlinkClick r:id="rId4">
+                  <a:extLst>
+                    <a:ext uri="{A12FA001-AC4F-418D-AE19-62706E023703}">
+                      <ahyp:hlinkClr xmlns:ahyp="http://schemas.microsoft.com/office/drawing/2018/hyperlinkcolor" val="tx"/>
+                    </a:ext>
+                  </a:extLst>
+                </a:hlinkClick>
+              </a:rPr>
+              <a:t>https://www.webrtc.org/architecture</a:t>
+            </a:r>
+            <a:r>
+              <a:rPr lang="en-US" sz="2430" dirty="0">
+                <a:solidFill>
+                  <a:srgbClr val="EFD5FA"/>
+                </a:solidFill>
+                <a:latin typeface="Instrument Sans" pitchFamily="34" charset="0"/>
+                <a:ea typeface="Instrument Sans" pitchFamily="34" charset="-122"/>
+                <a:cs typeface="Instrument Sans" pitchFamily="34" charset="-120"/>
+              </a:rPr>
+              <a:t>.</a:t>
+            </a:r>
+            <a:endParaRPr lang="en-US" sz="2430" dirty="0"/>
+          </a:p>
+        </p:txBody>
+      </p:sp>
+      <p:sp>
+        <p:nvSpPr>
+          <p:cNvPr id="8" name="Text 6"/>
+          <p:cNvSpPr/>
+          <p:nvPr/>
+        </p:nvSpPr>
+        <p:spPr>
+          <a:xfrm>
+            <a:off x="864037" y="5569744"/>
+            <a:ext cx="4937760" cy="617101"/>
+          </a:xfrm>
+          <a:prstGeom prst="rect">
+            <a:avLst/>
+          </a:prstGeom>
+          <a:noFill/>
+          <a:ln/>
+        </p:spPr>
+        <p:txBody>
+          <a:bodyPr wrap="none" rtlCol="0" anchor="t"/>
+          <a:lstStyle/>
+          <a:p>
+            <a:pPr marL="0" indent="0">
+              <a:lnSpc>
+                <a:spcPts val="4860"/>
+              </a:lnSpc>
+              <a:buNone/>
+            </a:pPr>
+            <a:endParaRPr lang="en-US" sz="3888" dirty="0"/>
+          </a:p>
+        </p:txBody>
+      </p:sp>
     </p:spTree>
   </p:cSld>
   <p:clrMapOvr>
@@ -2272,184 +2408,6 @@
           <a:ln/>
         </p:spPr>
       </p:sp>
-      <p:pic>
-        <p:nvPicPr>
-          <p:cNvPr id="4" name="Image 0" descr="preencoded.png"/>
-          <p:cNvPicPr>
-            <a:picLocks noChangeAspect="1"/>
-          </p:cNvPicPr>
-          <p:nvPr/>
-        </p:nvPicPr>
-        <p:blipFill>
-          <a:blip r:embed="rId3"/>
-          <a:stretch>
-            <a:fillRect/>
-          </a:stretch>
-        </p:blipFill>
-        <p:spPr>
-          <a:xfrm>
-            <a:off x="864037" y="735568"/>
-            <a:ext cx="10818495" cy="6758464"/>
-          </a:xfrm>
-          <a:prstGeom prst="rect">
-            <a:avLst/>
-          </a:prstGeom>
-        </p:spPr>
-      </p:pic>
-    </p:spTree>
-  </p:cSld>
-  <p:clrMapOvr>
-    <a:masterClrMapping/>
-  </p:clrMapOvr>
-</p:sld>
-</file>
-
-<file path=ppt/slides/slide13.xml><?xml version="1.0" encoding="utf-8"?>
-<p:sld xmlns:a="http://schemas.openxmlformats.org/drawingml/2006/main" xmlns:r="http://schemas.openxmlformats.org/officeDocument/2006/relationships" xmlns:p="http://schemas.openxmlformats.org/presentationml/2006/main">
-  <p:cSld name="Slide 13">
-    <p:spTree>
-      <p:nvGrpSpPr>
-        <p:cNvPr id="1" name=""/>
-        <p:cNvGrpSpPr/>
-        <p:nvPr/>
-      </p:nvGrpSpPr>
-      <p:grpSpPr>
-        <a:xfrm>
-          <a:off x="0" y="0"/>
-          <a:ext cx="0" cy="0"/>
-          <a:chOff x="0" y="0"/>
-          <a:chExt cx="0" cy="0"/>
-        </a:xfrm>
-      </p:grpSpPr>
-      <p:sp>
-        <p:nvSpPr>
-          <p:cNvPr id="2" name="Shape 0"/>
-          <p:cNvSpPr/>
-          <p:nvPr/>
-        </p:nvSpPr>
-        <p:spPr>
-          <a:xfrm>
-            <a:off x="0" y="0"/>
-            <a:ext cx="14630400" cy="8229600"/>
-          </a:xfrm>
-          <a:prstGeom prst="rect">
-            <a:avLst/>
-          </a:prstGeom>
-          <a:solidFill>
-            <a:srgbClr val="181719"/>
-          </a:solidFill>
-          <a:ln/>
-        </p:spPr>
-      </p:sp>
-      <p:sp>
-        <p:nvSpPr>
-          <p:cNvPr id="3" name="Shape 1"/>
-          <p:cNvSpPr/>
-          <p:nvPr/>
-        </p:nvSpPr>
-        <p:spPr>
-          <a:xfrm>
-            <a:off x="0" y="0"/>
-            <a:ext cx="14630400" cy="8229600"/>
-          </a:xfrm>
-          <a:prstGeom prst="rect">
-            <a:avLst/>
-          </a:prstGeom>
-          <a:solidFill>
-            <a:srgbClr val="242429"/>
-          </a:solidFill>
-          <a:ln/>
-        </p:spPr>
-      </p:sp>
-      <p:pic>
-        <p:nvPicPr>
-          <p:cNvPr id="4" name="Image 0" descr="preencoded.png"/>
-          <p:cNvPicPr>
-            <a:picLocks noChangeAspect="1"/>
-          </p:cNvPicPr>
-          <p:nvPr/>
-        </p:nvPicPr>
-        <p:blipFill>
-          <a:blip r:embed="rId3"/>
-          <a:stretch>
-            <a:fillRect/>
-          </a:stretch>
-        </p:blipFill>
-        <p:spPr>
-          <a:xfrm>
-            <a:off x="864037" y="735568"/>
-            <a:ext cx="11345108" cy="6758464"/>
-          </a:xfrm>
-          <a:prstGeom prst="rect">
-            <a:avLst/>
-          </a:prstGeom>
-        </p:spPr>
-      </p:pic>
-    </p:spTree>
-  </p:cSld>
-  <p:clrMapOvr>
-    <a:masterClrMapping/>
-  </p:clrMapOvr>
-</p:sld>
-</file>
-
-<file path=ppt/slides/slide14.xml><?xml version="1.0" encoding="utf-8"?>
-<p:sld xmlns:a="http://schemas.openxmlformats.org/drawingml/2006/main" xmlns:r="http://schemas.openxmlformats.org/officeDocument/2006/relationships" xmlns:p="http://schemas.openxmlformats.org/presentationml/2006/main">
-  <p:cSld name="Slide 14">
-    <p:spTree>
-      <p:nvGrpSpPr>
-        <p:cNvPr id="1" name=""/>
-        <p:cNvGrpSpPr/>
-        <p:nvPr/>
-      </p:nvGrpSpPr>
-      <p:grpSpPr>
-        <a:xfrm>
-          <a:off x="0" y="0"/>
-          <a:ext cx="0" cy="0"/>
-          <a:chOff x="0" y="0"/>
-          <a:chExt cx="0" cy="0"/>
-        </a:xfrm>
-      </p:grpSpPr>
-      <p:sp>
-        <p:nvSpPr>
-          <p:cNvPr id="2" name="Shape 0"/>
-          <p:cNvSpPr/>
-          <p:nvPr/>
-        </p:nvSpPr>
-        <p:spPr>
-          <a:xfrm>
-            <a:off x="0" y="0"/>
-            <a:ext cx="14630400" cy="8229600"/>
-          </a:xfrm>
-          <a:prstGeom prst="rect">
-            <a:avLst/>
-          </a:prstGeom>
-          <a:solidFill>
-            <a:srgbClr val="181719"/>
-          </a:solidFill>
-          <a:ln/>
-        </p:spPr>
-      </p:sp>
-      <p:sp>
-        <p:nvSpPr>
-          <p:cNvPr id="3" name="Shape 1"/>
-          <p:cNvSpPr/>
-          <p:nvPr/>
-        </p:nvSpPr>
-        <p:spPr>
-          <a:xfrm>
-            <a:off x="0" y="0"/>
-            <a:ext cx="14630400" cy="8229600"/>
-          </a:xfrm>
-          <a:prstGeom prst="rect">
-            <a:avLst/>
-          </a:prstGeom>
-          <a:solidFill>
-            <a:srgbClr val="242429"/>
-          </a:solidFill>
-          <a:ln/>
-        </p:spPr>
-      </p:sp>
       <p:sp>
         <p:nvSpPr>
           <p:cNvPr id="4" name="Text 2"/>
@@ -2831,8 +2789,8 @@
         </p:nvSpPr>
         <p:spPr>
           <a:xfrm>
-            <a:off x="864037" y="2170747"/>
-            <a:ext cx="7655481" cy="771525"/>
+            <a:off x="864037" y="2135148"/>
+            <a:ext cx="8865870" cy="771525"/>
           </a:xfrm>
           <a:prstGeom prst="rect">
             <a:avLst/>
@@ -2859,7 +2817,7 @@
                 <a:ea typeface="Instrument Sans" pitchFamily="34" charset="-122"/>
                 <a:cs typeface="Instrument Sans" pitchFamily="34" charset="-120"/>
               </a:rPr>
-              <a:t>Overview of EventConnect</a:t>
+              <a:t>Key Features and Technologies</a:t>
             </a:r>
             <a:endParaRPr lang="en-US" sz="4860" dirty="0"/>
           </a:p>
@@ -2867,14 +2825,36 @@
       </p:sp>
       <p:sp>
         <p:nvSpPr>
-          <p:cNvPr id="5" name="Text 3"/>
-          <p:cNvSpPr/>
-          <p:nvPr/>
-        </p:nvSpPr>
-        <p:spPr>
-          <a:xfrm>
-            <a:off x="864037" y="3559373"/>
-            <a:ext cx="4890373" cy="462796"/>
+          <p:cNvPr id="5" name="Shape 3"/>
+          <p:cNvSpPr/>
+          <p:nvPr/>
+        </p:nvSpPr>
+        <p:spPr>
+          <a:xfrm>
+            <a:off x="864037" y="3554611"/>
+            <a:ext cx="555427" cy="555427"/>
+          </a:xfrm>
+          <a:prstGeom prst="roundRect">
+            <a:avLst>
+              <a:gd name="adj" fmla="val 6668"/>
+            </a:avLst>
+          </a:prstGeom>
+          <a:solidFill>
+            <a:srgbClr val="434348"/>
+          </a:solidFill>
+          <a:ln/>
+        </p:spPr>
+      </p:sp>
+      <p:sp>
+        <p:nvSpPr>
+          <p:cNvPr id="6" name="Text 4"/>
+          <p:cNvSpPr/>
+          <p:nvPr/>
+        </p:nvSpPr>
+        <p:spPr>
+          <a:xfrm>
+            <a:off x="1069658" y="3647122"/>
+            <a:ext cx="144066" cy="370284"/>
           </a:xfrm>
           <a:prstGeom prst="rect">
             <a:avLst/>
@@ -2884,6 +2864,48 @@
         </p:spPr>
         <p:txBody>
           <a:bodyPr wrap="none" rtlCol="0" anchor="t"/>
+          <a:lstStyle/>
+          <a:p>
+            <a:pPr marL="0" indent="0" algn="ctr">
+              <a:lnSpc>
+                <a:spcPts val="2916"/>
+              </a:lnSpc>
+              <a:buNone/>
+            </a:pPr>
+            <a:r>
+              <a:rPr lang="en-US" sz="2916" dirty="0">
+                <a:solidFill>
+                  <a:srgbClr val="C7CDD6"/>
+                </a:solidFill>
+                <a:latin typeface="Instrument Sans" pitchFamily="34" charset="0"/>
+                <a:ea typeface="Instrument Sans" pitchFamily="34" charset="-122"/>
+                <a:cs typeface="Instrument Sans" pitchFamily="34" charset="-120"/>
+              </a:rPr>
+              <a:t>1</a:t>
+            </a:r>
+            <a:endParaRPr lang="en-US" sz="2916" dirty="0"/>
+          </a:p>
+        </p:txBody>
+      </p:sp>
+      <p:sp>
+        <p:nvSpPr>
+          <p:cNvPr id="7" name="Text 5"/>
+          <p:cNvSpPr/>
+          <p:nvPr/>
+        </p:nvSpPr>
+        <p:spPr>
+          <a:xfrm>
+            <a:off x="1666280" y="3554611"/>
+            <a:ext cx="3333988" cy="925592"/>
+          </a:xfrm>
+          <a:prstGeom prst="rect">
+            <a:avLst/>
+          </a:prstGeom>
+          <a:noFill/>
+          <a:ln/>
+        </p:spPr>
+        <p:txBody>
+          <a:bodyPr wrap="square" rtlCol="0" anchor="t"/>
           <a:lstStyle/>
           <a:p>
             <a:pPr marL="0" indent="0">
@@ -2895,13 +2917,13 @@
             <a:r>
               <a:rPr lang="en-US" sz="2916" dirty="0">
                 <a:solidFill>
-                  <a:srgbClr val="EFD5FA"/>
+                  <a:srgbClr val="C7CDD6"/>
                 </a:solidFill>
                 <a:latin typeface="Instrument Sans" pitchFamily="34" charset="0"/>
                 <a:ea typeface="Instrument Sans" pitchFamily="34" charset="-122"/>
                 <a:cs typeface="Instrument Sans" pitchFamily="34" charset="-120"/>
               </a:rPr>
-              <a:t>Virtual and In-Person Events</a:t>
+              <a:t>User Authentication</a:t>
             </a:r>
             <a:endParaRPr lang="en-US" sz="2916" dirty="0"/>
           </a:p>
@@ -2909,14 +2931,14 @@
       </p:sp>
       <p:sp>
         <p:nvSpPr>
-          <p:cNvPr id="6" name="Text 4"/>
-          <p:cNvSpPr/>
-          <p:nvPr/>
-        </p:nvSpPr>
-        <p:spPr>
-          <a:xfrm>
-            <a:off x="864037" y="4268986"/>
-            <a:ext cx="6150054" cy="1157288"/>
+          <p:cNvPr id="8" name="Text 6"/>
+          <p:cNvSpPr/>
+          <p:nvPr/>
+        </p:nvSpPr>
+        <p:spPr>
+          <a:xfrm>
+            <a:off x="1666280" y="4628317"/>
+            <a:ext cx="3333988" cy="1157288"/>
           </a:xfrm>
           <a:prstGeom prst="rect">
             <a:avLst/>
@@ -2937,13 +2959,13 @@
             <a:r>
               <a:rPr lang="en-US" sz="2430" dirty="0">
                 <a:solidFill>
-                  <a:srgbClr val="EFD5FA"/>
+                  <a:srgbClr val="C7CDD6"/>
                 </a:solidFill>
                 <a:latin typeface="Instrument Sans" pitchFamily="34" charset="0"/>
                 <a:ea typeface="Instrument Sans" pitchFamily="34" charset="-122"/>
                 <a:cs typeface="Instrument Sans" pitchFamily="34" charset="-120"/>
               </a:rPr>
-              <a:t>EventConnect is a platform for organizing and attending both virtual and in-person events.</a:t>
+              <a:t>Secure user login and registration using JWT and bcrypt.</a:t>
             </a:r>
             <a:endParaRPr lang="en-US" sz="2430" dirty="0"/>
           </a:p>
@@ -2951,14 +2973,78 @@
       </p:sp>
       <p:sp>
         <p:nvSpPr>
-          <p:cNvPr id="7" name="Text 5"/>
-          <p:cNvSpPr/>
-          <p:nvPr/>
-        </p:nvSpPr>
-        <p:spPr>
-          <a:xfrm>
-            <a:off x="7623929" y="3559373"/>
-            <a:ext cx="3703320" cy="462796"/>
+          <p:cNvPr id="9" name="Shape 7"/>
+          <p:cNvSpPr/>
+          <p:nvPr/>
+        </p:nvSpPr>
+        <p:spPr>
+          <a:xfrm>
+            <a:off x="5247084" y="3554611"/>
+            <a:ext cx="555427" cy="555427"/>
+          </a:xfrm>
+          <a:prstGeom prst="roundRect">
+            <a:avLst>
+              <a:gd name="adj" fmla="val 6668"/>
+            </a:avLst>
+          </a:prstGeom>
+          <a:solidFill>
+            <a:srgbClr val="434348"/>
+          </a:solidFill>
+          <a:ln/>
+        </p:spPr>
+      </p:sp>
+      <p:sp>
+        <p:nvSpPr>
+          <p:cNvPr id="10" name="Text 8"/>
+          <p:cNvSpPr/>
+          <p:nvPr/>
+        </p:nvSpPr>
+        <p:spPr>
+          <a:xfrm>
+            <a:off x="5422702" y="3647122"/>
+            <a:ext cx="204073" cy="370284"/>
+          </a:xfrm>
+          <a:prstGeom prst="rect">
+            <a:avLst/>
+          </a:prstGeom>
+          <a:noFill/>
+          <a:ln/>
+        </p:spPr>
+        <p:txBody>
+          <a:bodyPr wrap="none" rtlCol="0" anchor="t"/>
+          <a:lstStyle/>
+          <a:p>
+            <a:pPr marL="0" indent="0" algn="ctr">
+              <a:lnSpc>
+                <a:spcPts val="2916"/>
+              </a:lnSpc>
+              <a:buNone/>
+            </a:pPr>
+            <a:r>
+              <a:rPr lang="en-US" sz="2916" dirty="0">
+                <a:solidFill>
+                  <a:srgbClr val="C7CDD6"/>
+                </a:solidFill>
+                <a:latin typeface="Instrument Sans" pitchFamily="34" charset="0"/>
+                <a:ea typeface="Instrument Sans" pitchFamily="34" charset="-122"/>
+                <a:cs typeface="Instrument Sans" pitchFamily="34" charset="-120"/>
+              </a:rPr>
+              <a:t>2</a:t>
+            </a:r>
+            <a:endParaRPr lang="en-US" sz="2916" dirty="0"/>
+          </a:p>
+        </p:txBody>
+      </p:sp>
+      <p:sp>
+        <p:nvSpPr>
+          <p:cNvPr id="11" name="Text 9"/>
+          <p:cNvSpPr/>
+          <p:nvPr/>
+        </p:nvSpPr>
+        <p:spPr>
+          <a:xfrm>
+            <a:off x="6049328" y="3554611"/>
+            <a:ext cx="3333988" cy="462796"/>
           </a:xfrm>
           <a:prstGeom prst="rect">
             <a:avLst/>
@@ -2979,13 +3065,13 @@
             <a:r>
               <a:rPr lang="en-US" sz="2916" dirty="0">
                 <a:solidFill>
-                  <a:srgbClr val="EFD5FA"/>
+                  <a:srgbClr val="C7CDD6"/>
                 </a:solidFill>
                 <a:latin typeface="Instrument Sans" pitchFamily="34" charset="0"/>
                 <a:ea typeface="Instrument Sans" pitchFamily="34" charset="-122"/>
                 <a:cs typeface="Instrument Sans" pitchFamily="34" charset="-120"/>
               </a:rPr>
-              <a:t>Key Features</a:t>
+              <a:t>Video Calls</a:t>
             </a:r>
             <a:endParaRPr lang="en-US" sz="2916" dirty="0"/>
           </a:p>
@@ -2993,14 +3079,14 @@
       </p:sp>
       <p:sp>
         <p:nvSpPr>
-          <p:cNvPr id="8" name="Text 6"/>
-          <p:cNvSpPr/>
-          <p:nvPr/>
-        </p:nvSpPr>
-        <p:spPr>
-          <a:xfrm>
-            <a:off x="7623929" y="4268986"/>
-            <a:ext cx="6150054" cy="1543050"/>
+          <p:cNvPr id="12" name="Text 10"/>
+          <p:cNvSpPr/>
+          <p:nvPr/>
+        </p:nvSpPr>
+        <p:spPr>
+          <a:xfrm>
+            <a:off x="6049328" y="4165521"/>
+            <a:ext cx="3333988" cy="1157288"/>
           </a:xfrm>
           <a:prstGeom prst="rect">
             <a:avLst/>
@@ -3021,13 +3107,161 @@
             <a:r>
               <a:rPr lang="en-US" sz="2430" dirty="0">
                 <a:solidFill>
-                  <a:srgbClr val="EFD5FA"/>
+                  <a:srgbClr val="C7CDD6"/>
                 </a:solidFill>
                 <a:latin typeface="Instrument Sans" pitchFamily="34" charset="0"/>
                 <a:ea typeface="Instrument Sans" pitchFamily="34" charset="-122"/>
                 <a:cs typeface="Instrument Sans" pitchFamily="34" charset="-120"/>
               </a:rPr>
-              <a:t>Key features include video calls, live streaming, chat, maps, user authentication, notifications, and event scheduling.</a:t>
+              <a:t>Use WebRTC for video communication and Socket.io for signaling.</a:t>
+            </a:r>
+            <a:endParaRPr lang="en-US" sz="2430" dirty="0"/>
+          </a:p>
+        </p:txBody>
+      </p:sp>
+      <p:sp>
+        <p:nvSpPr>
+          <p:cNvPr id="13" name="Shape 11"/>
+          <p:cNvSpPr/>
+          <p:nvPr/>
+        </p:nvSpPr>
+        <p:spPr>
+          <a:xfrm>
+            <a:off x="9630132" y="3554611"/>
+            <a:ext cx="555427" cy="555427"/>
+          </a:xfrm>
+          <a:prstGeom prst="roundRect">
+            <a:avLst>
+              <a:gd name="adj" fmla="val 6668"/>
+            </a:avLst>
+          </a:prstGeom>
+          <a:solidFill>
+            <a:srgbClr val="434348"/>
+          </a:solidFill>
+          <a:ln/>
+        </p:spPr>
+      </p:sp>
+      <p:sp>
+        <p:nvSpPr>
+          <p:cNvPr id="14" name="Text 12"/>
+          <p:cNvSpPr/>
+          <p:nvPr/>
+        </p:nvSpPr>
+        <p:spPr>
+          <a:xfrm>
+            <a:off x="9800987" y="3647122"/>
+            <a:ext cx="213717" cy="370284"/>
+          </a:xfrm>
+          <a:prstGeom prst="rect">
+            <a:avLst/>
+          </a:prstGeom>
+          <a:noFill/>
+          <a:ln/>
+        </p:spPr>
+        <p:txBody>
+          <a:bodyPr wrap="none" rtlCol="0" anchor="t"/>
+          <a:lstStyle/>
+          <a:p>
+            <a:pPr marL="0" indent="0" algn="ctr">
+              <a:lnSpc>
+                <a:spcPts val="2916"/>
+              </a:lnSpc>
+              <a:buNone/>
+            </a:pPr>
+            <a:r>
+              <a:rPr lang="en-US" sz="2916" dirty="0">
+                <a:solidFill>
+                  <a:srgbClr val="C7CDD6"/>
+                </a:solidFill>
+                <a:latin typeface="Instrument Sans" pitchFamily="34" charset="0"/>
+                <a:ea typeface="Instrument Sans" pitchFamily="34" charset="-122"/>
+                <a:cs typeface="Instrument Sans" pitchFamily="34" charset="-120"/>
+              </a:rPr>
+              <a:t>3</a:t>
+            </a:r>
+            <a:endParaRPr lang="en-US" sz="2916" dirty="0"/>
+          </a:p>
+        </p:txBody>
+      </p:sp>
+      <p:sp>
+        <p:nvSpPr>
+          <p:cNvPr id="15" name="Text 13"/>
+          <p:cNvSpPr/>
+          <p:nvPr/>
+        </p:nvSpPr>
+        <p:spPr>
+          <a:xfrm>
+            <a:off x="10432375" y="3554611"/>
+            <a:ext cx="3333988" cy="462796"/>
+          </a:xfrm>
+          <a:prstGeom prst="rect">
+            <a:avLst/>
+          </a:prstGeom>
+          <a:noFill/>
+          <a:ln/>
+        </p:spPr>
+        <p:txBody>
+          <a:bodyPr wrap="none" rtlCol="0" anchor="t"/>
+          <a:lstStyle/>
+          <a:p>
+            <a:pPr marL="0" indent="0">
+              <a:lnSpc>
+                <a:spcPts val="3645"/>
+              </a:lnSpc>
+              <a:buNone/>
+            </a:pPr>
+            <a:r>
+              <a:rPr lang="en-US" sz="2916" dirty="0">
+                <a:solidFill>
+                  <a:srgbClr val="C7CDD6"/>
+                </a:solidFill>
+                <a:latin typeface="Instrument Sans" pitchFamily="34" charset="0"/>
+                <a:ea typeface="Instrument Sans" pitchFamily="34" charset="-122"/>
+                <a:cs typeface="Instrument Sans" pitchFamily="34" charset="-120"/>
+              </a:rPr>
+              <a:t>Live Streaming</a:t>
+            </a:r>
+            <a:endParaRPr lang="en-US" sz="2916" dirty="0"/>
+          </a:p>
+        </p:txBody>
+      </p:sp>
+      <p:sp>
+        <p:nvSpPr>
+          <p:cNvPr id="16" name="Text 14"/>
+          <p:cNvSpPr/>
+          <p:nvPr/>
+        </p:nvSpPr>
+        <p:spPr>
+          <a:xfrm>
+            <a:off x="10432375" y="4165521"/>
+            <a:ext cx="3333988" cy="1928813"/>
+          </a:xfrm>
+          <a:prstGeom prst="rect">
+            <a:avLst/>
+          </a:prstGeom>
+          <a:noFill/>
+          <a:ln/>
+        </p:spPr>
+        <p:txBody>
+          <a:bodyPr wrap="square" rtlCol="0" anchor="t"/>
+          <a:lstStyle/>
+          <a:p>
+            <a:pPr marL="0" indent="0">
+              <a:lnSpc>
+                <a:spcPts val="3038"/>
+              </a:lnSpc>
+              <a:buNone/>
+            </a:pPr>
+            <a:r>
+              <a:rPr lang="en-US" sz="2430" dirty="0">
+                <a:solidFill>
+                  <a:srgbClr val="C7CDD6"/>
+                </a:solidFill>
+                <a:latin typeface="Instrument Sans" pitchFamily="34" charset="0"/>
+                <a:ea typeface="Instrument Sans" pitchFamily="34" charset="-122"/>
+                <a:cs typeface="Instrument Sans" pitchFamily="34" charset="-120"/>
+              </a:rPr>
+              <a:t>Implement with WebRTC, media servers like Kurento or Jitsi, and HLS for large audiences.</a:t>
             </a:r>
             <a:endParaRPr lang="en-US" sz="2430" dirty="0"/>
           </a:p>
@@ -3106,8 +3340,8 @@
         </p:nvSpPr>
         <p:spPr>
           <a:xfrm>
-            <a:off x="864037" y="2135148"/>
-            <a:ext cx="8865870" cy="771525"/>
+            <a:off x="864037" y="2545556"/>
+            <a:ext cx="12378452" cy="771525"/>
           </a:xfrm>
           <a:prstGeom prst="rect">
             <a:avLst/>
@@ -3134,7 +3368,7 @@
                 <a:ea typeface="Instrument Sans" pitchFamily="34" charset="-122"/>
                 <a:cs typeface="Instrument Sans" pitchFamily="34" charset="-120"/>
               </a:rPr>
-              <a:t>Key Features and Technologies</a:t>
+              <a:t>Key Features and Technologies (continued)</a:t>
             </a:r>
             <a:endParaRPr lang="en-US" sz="4860" dirty="0"/>
           </a:p>
@@ -3148,7 +3382,7 @@
         </p:nvSpPr>
         <p:spPr>
           <a:xfrm>
-            <a:off x="864037" y="3554611"/>
+            <a:off x="864037" y="3965019"/>
             <a:ext cx="555427" cy="555427"/>
           </a:xfrm>
           <a:prstGeom prst="roundRect">
@@ -3170,7 +3404,7 @@
         </p:nvSpPr>
         <p:spPr>
           <a:xfrm>
-            <a:off x="1069658" y="3647122"/>
+            <a:off x="1069658" y="4057531"/>
             <a:ext cx="144066" cy="370284"/>
           </a:xfrm>
           <a:prstGeom prst="rect">
@@ -3212,8 +3446,8 @@
         </p:nvSpPr>
         <p:spPr>
           <a:xfrm>
-            <a:off x="1666280" y="3554611"/>
-            <a:ext cx="3333988" cy="925592"/>
+            <a:off x="1666280" y="3965019"/>
+            <a:ext cx="3086100" cy="385763"/>
           </a:xfrm>
           <a:prstGeom prst="rect">
             <a:avLst/>
@@ -3222,49 +3456,7 @@
           <a:ln/>
         </p:spPr>
         <p:txBody>
-          <a:bodyPr wrap="square" rtlCol="0" anchor="t"/>
-          <a:lstStyle/>
-          <a:p>
-            <a:pPr marL="0" indent="0">
-              <a:lnSpc>
-                <a:spcPts val="3645"/>
-              </a:lnSpc>
-              <a:buNone/>
-            </a:pPr>
-            <a:r>
-              <a:rPr lang="en-US" sz="2916" dirty="0">
-                <a:solidFill>
-                  <a:srgbClr val="C7CDD6"/>
-                </a:solidFill>
-                <a:latin typeface="Instrument Sans" pitchFamily="34" charset="0"/>
-                <a:ea typeface="Instrument Sans" pitchFamily="34" charset="-122"/>
-                <a:cs typeface="Instrument Sans" pitchFamily="34" charset="-120"/>
-              </a:rPr>
-              <a:t>User Authentication</a:t>
-            </a:r>
-            <a:endParaRPr lang="en-US" sz="2916" dirty="0"/>
-          </a:p>
-        </p:txBody>
-      </p:sp>
-      <p:sp>
-        <p:nvSpPr>
-          <p:cNvPr id="8" name="Text 6"/>
-          <p:cNvSpPr/>
-          <p:nvPr/>
-        </p:nvSpPr>
-        <p:spPr>
-          <a:xfrm>
-            <a:off x="1666280" y="4628317"/>
-            <a:ext cx="3333988" cy="1157288"/>
-          </a:xfrm>
-          <a:prstGeom prst="rect">
-            <a:avLst/>
-          </a:prstGeom>
-          <a:noFill/>
-          <a:ln/>
-        </p:spPr>
-        <p:txBody>
-          <a:bodyPr wrap="square" rtlCol="0" anchor="t"/>
+          <a:bodyPr wrap="none" rtlCol="0" anchor="t"/>
           <a:lstStyle/>
           <a:p>
             <a:pPr marL="0" indent="0">
@@ -3282,7 +3474,7 @@
                 <a:ea typeface="Instrument Sans" pitchFamily="34" charset="-122"/>
                 <a:cs typeface="Instrument Sans" pitchFamily="34" charset="-120"/>
               </a:rPr>
-              <a:t>Secure user login and registration using JWT and bcrypt.</a:t>
+              <a:t>Real-time Chat</a:t>
             </a:r>
             <a:endParaRPr lang="en-US" sz="2430" dirty="0"/>
           </a:p>
@@ -3290,13 +3482,55 @@
       </p:sp>
       <p:sp>
         <p:nvSpPr>
+          <p:cNvPr id="8" name="Text 6"/>
+          <p:cNvSpPr/>
+          <p:nvPr/>
+        </p:nvSpPr>
+        <p:spPr>
+          <a:xfrm>
+            <a:off x="1666280" y="4498896"/>
+            <a:ext cx="3333988" cy="790099"/>
+          </a:xfrm>
+          <a:prstGeom prst="rect">
+            <a:avLst/>
+          </a:prstGeom>
+          <a:noFill/>
+          <a:ln/>
+        </p:spPr>
+        <p:txBody>
+          <a:bodyPr wrap="square" rtlCol="0" anchor="t"/>
+          <a:lstStyle/>
+          <a:p>
+            <a:pPr marL="0" indent="0">
+              <a:lnSpc>
+                <a:spcPts val="3110"/>
+              </a:lnSpc>
+              <a:buNone/>
+            </a:pPr>
+            <a:r>
+              <a:rPr lang="en-US" sz="1944" dirty="0">
+                <a:solidFill>
+                  <a:srgbClr val="C7CDD6"/>
+                </a:solidFill>
+                <a:latin typeface="Inter" pitchFamily="34" charset="0"/>
+                <a:ea typeface="Inter" pitchFamily="34" charset="-122"/>
+                <a:cs typeface="Inter" pitchFamily="34" charset="-120"/>
+              </a:rPr>
+              <a:t>Real-time messaging with Socket.io and MongoDB.</a:t>
+            </a:r>
+            <a:endParaRPr lang="en-US" sz="1944" dirty="0"/>
+          </a:p>
+        </p:txBody>
+      </p:sp>
+      <p:sp>
+        <p:nvSpPr>
           <p:cNvPr id="9" name="Shape 7"/>
           <p:cNvSpPr/>
           <p:nvPr/>
         </p:nvSpPr>
         <p:spPr>
           <a:xfrm>
-            <a:off x="5247084" y="3554611"/>
+            <a:off x="5247084" y="3965019"/>
             <a:ext cx="555427" cy="555427"/>
           </a:xfrm>
           <a:prstGeom prst="roundRect">
@@ -3318,7 +3552,7 @@
         </p:nvSpPr>
         <p:spPr>
           <a:xfrm>
-            <a:off x="5422702" y="3647122"/>
+            <a:off x="5422702" y="4057531"/>
             <a:ext cx="204073" cy="370284"/>
           </a:xfrm>
           <a:prstGeom prst="rect">
@@ -3360,8 +3594,8 @@
         </p:nvSpPr>
         <p:spPr>
           <a:xfrm>
-            <a:off x="6049328" y="3554611"/>
-            <a:ext cx="3333988" cy="462796"/>
+            <a:off x="6049328" y="3965019"/>
+            <a:ext cx="3086100" cy="385763"/>
           </a:xfrm>
           <a:prstGeom prst="rect">
             <a:avLst/>
@@ -3371,48 +3605,6 @@
         </p:spPr>
         <p:txBody>
           <a:bodyPr wrap="none" rtlCol="0" anchor="t"/>
-          <a:lstStyle/>
-          <a:p>
-            <a:pPr marL="0" indent="0">
-              <a:lnSpc>
-                <a:spcPts val="3645"/>
-              </a:lnSpc>
-              <a:buNone/>
-            </a:pPr>
-            <a:r>
-              <a:rPr lang="en-US" sz="2916" dirty="0">
-                <a:solidFill>
-                  <a:srgbClr val="C7CDD6"/>
-                </a:solidFill>
-                <a:latin typeface="Instrument Sans" pitchFamily="34" charset="0"/>
-                <a:ea typeface="Instrument Sans" pitchFamily="34" charset="-122"/>
-                <a:cs typeface="Instrument Sans" pitchFamily="34" charset="-120"/>
-              </a:rPr>
-              <a:t>Video Calls</a:t>
-            </a:r>
-            <a:endParaRPr lang="en-US" sz="2916" dirty="0"/>
-          </a:p>
-        </p:txBody>
-      </p:sp>
-      <p:sp>
-        <p:nvSpPr>
-          <p:cNvPr id="12" name="Text 10"/>
-          <p:cNvSpPr/>
-          <p:nvPr/>
-        </p:nvSpPr>
-        <p:spPr>
-          <a:xfrm>
-            <a:off x="6049328" y="4165521"/>
-            <a:ext cx="3333988" cy="1157288"/>
-          </a:xfrm>
-          <a:prstGeom prst="rect">
-            <a:avLst/>
-          </a:prstGeom>
-          <a:noFill/>
-          <a:ln/>
-        </p:spPr>
-        <p:txBody>
-          <a:bodyPr wrap="square" rtlCol="0" anchor="t"/>
           <a:lstStyle/>
           <a:p>
             <a:pPr marL="0" indent="0">
@@ -3430,7 +3622,7 @@
                 <a:ea typeface="Instrument Sans" pitchFamily="34" charset="-122"/>
                 <a:cs typeface="Instrument Sans" pitchFamily="34" charset="-120"/>
               </a:rPr>
-              <a:t>Use WebRTC for video communication and Socket.io for signaling.</a:t>
+              <a:t>Maps Integration</a:t>
             </a:r>
             <a:endParaRPr lang="en-US" sz="2430" dirty="0"/>
           </a:p>
@@ -3438,13 +3630,55 @@
       </p:sp>
       <p:sp>
         <p:nvSpPr>
+          <p:cNvPr id="12" name="Text 10"/>
+          <p:cNvSpPr/>
+          <p:nvPr/>
+        </p:nvSpPr>
+        <p:spPr>
+          <a:xfrm>
+            <a:off x="6049328" y="4498896"/>
+            <a:ext cx="3333988" cy="1185148"/>
+          </a:xfrm>
+          <a:prstGeom prst="rect">
+            <a:avLst/>
+          </a:prstGeom>
+          <a:noFill/>
+          <a:ln/>
+        </p:spPr>
+        <p:txBody>
+          <a:bodyPr wrap="square" rtlCol="0" anchor="t"/>
+          <a:lstStyle/>
+          <a:p>
+            <a:pPr marL="0" indent="0">
+              <a:lnSpc>
+                <a:spcPts val="3110"/>
+              </a:lnSpc>
+              <a:buNone/>
+            </a:pPr>
+            <a:r>
+              <a:rPr lang="en-US" sz="1944" dirty="0">
+                <a:solidFill>
+                  <a:srgbClr val="C7CDD6"/>
+                </a:solidFill>
+                <a:latin typeface="Inter" pitchFamily="34" charset="0"/>
+                <a:ea typeface="Inter" pitchFamily="34" charset="-122"/>
+                <a:cs typeface="Inter" pitchFamily="34" charset="-120"/>
+              </a:rPr>
+              <a:t>Use Google Maps API or Leaflet.js to show event locations and navigation.</a:t>
+            </a:r>
+            <a:endParaRPr lang="en-US" sz="1944" dirty="0"/>
+          </a:p>
+        </p:txBody>
+      </p:sp>
+      <p:sp>
+        <p:nvSpPr>
           <p:cNvPr id="13" name="Shape 11"/>
           <p:cNvSpPr/>
           <p:nvPr/>
         </p:nvSpPr>
         <p:spPr>
           <a:xfrm>
-            <a:off x="9630132" y="3554611"/>
+            <a:off x="9630132" y="3965019"/>
             <a:ext cx="555427" cy="555427"/>
           </a:xfrm>
           <a:prstGeom prst="roundRect">
@@ -3466,7 +3700,7 @@
         </p:nvSpPr>
         <p:spPr>
           <a:xfrm>
-            <a:off x="9800987" y="3647122"/>
+            <a:off x="9800987" y="4057531"/>
             <a:ext cx="213717" cy="370284"/>
           </a:xfrm>
           <a:prstGeom prst="rect">
@@ -3508,8 +3742,8 @@
         </p:nvSpPr>
         <p:spPr>
           <a:xfrm>
-            <a:off x="10432375" y="3554611"/>
-            <a:ext cx="3333988" cy="462796"/>
+            <a:off x="10432375" y="3965019"/>
+            <a:ext cx="3086100" cy="385763"/>
           </a:xfrm>
           <a:prstGeom prst="rect">
             <a:avLst/>
@@ -3519,48 +3753,6 @@
         </p:spPr>
         <p:txBody>
           <a:bodyPr wrap="none" rtlCol="0" anchor="t"/>
-          <a:lstStyle/>
-          <a:p>
-            <a:pPr marL="0" indent="0">
-              <a:lnSpc>
-                <a:spcPts val="3645"/>
-              </a:lnSpc>
-              <a:buNone/>
-            </a:pPr>
-            <a:r>
-              <a:rPr lang="en-US" sz="2916" dirty="0">
-                <a:solidFill>
-                  <a:srgbClr val="C7CDD6"/>
-                </a:solidFill>
-                <a:latin typeface="Instrument Sans" pitchFamily="34" charset="0"/>
-                <a:ea typeface="Instrument Sans" pitchFamily="34" charset="-122"/>
-                <a:cs typeface="Instrument Sans" pitchFamily="34" charset="-120"/>
-              </a:rPr>
-              <a:t>Live Streaming</a:t>
-            </a:r>
-            <a:endParaRPr lang="en-US" sz="2916" dirty="0"/>
-          </a:p>
-        </p:txBody>
-      </p:sp>
-      <p:sp>
-        <p:nvSpPr>
-          <p:cNvPr id="16" name="Text 14"/>
-          <p:cNvSpPr/>
-          <p:nvPr/>
-        </p:nvSpPr>
-        <p:spPr>
-          <a:xfrm>
-            <a:off x="10432375" y="4165521"/>
-            <a:ext cx="3333988" cy="1928813"/>
-          </a:xfrm>
-          <a:prstGeom prst="rect">
-            <a:avLst/>
-          </a:prstGeom>
-          <a:noFill/>
-          <a:ln/>
-        </p:spPr>
-        <p:txBody>
-          <a:bodyPr wrap="square" rtlCol="0" anchor="t"/>
           <a:lstStyle/>
           <a:p>
             <a:pPr marL="0" indent="0">
@@ -3578,9 +3770,51 @@
                 <a:ea typeface="Instrument Sans" pitchFamily="34" charset="-122"/>
                 <a:cs typeface="Instrument Sans" pitchFamily="34" charset="-120"/>
               </a:rPr>
-              <a:t>Implement with WebRTC, media servers like Kurento or Jitsi, and HLS for large audiences.</a:t>
+              <a:t>Event Scheduling</a:t>
             </a:r>
             <a:endParaRPr lang="en-US" sz="2430" dirty="0"/>
+          </a:p>
+        </p:txBody>
+      </p:sp>
+      <p:sp>
+        <p:nvSpPr>
+          <p:cNvPr id="16" name="Text 14"/>
+          <p:cNvSpPr/>
+          <p:nvPr/>
+        </p:nvSpPr>
+        <p:spPr>
+          <a:xfrm>
+            <a:off x="10432375" y="4498896"/>
+            <a:ext cx="3333988" cy="1185148"/>
+          </a:xfrm>
+          <a:prstGeom prst="rect">
+            <a:avLst/>
+          </a:prstGeom>
+          <a:noFill/>
+          <a:ln/>
+        </p:spPr>
+        <p:txBody>
+          <a:bodyPr wrap="square" rtlCol="0" anchor="t"/>
+          <a:lstStyle/>
+          <a:p>
+            <a:pPr marL="0" indent="0">
+              <a:lnSpc>
+                <a:spcPts val="3110"/>
+              </a:lnSpc>
+              <a:buNone/>
+            </a:pPr>
+            <a:r>
+              <a:rPr lang="en-US" sz="1944" dirty="0">
+                <a:solidFill>
+                  <a:srgbClr val="C7CDD6"/>
+                </a:solidFill>
+                <a:latin typeface="Inter" pitchFamily="34" charset="0"/>
+                <a:ea typeface="Inter" pitchFamily="34" charset="-122"/>
+                <a:cs typeface="Inter" pitchFamily="34" charset="-120"/>
+              </a:rPr>
+              <a:t>Manage events with a calendar using FullCalendar.js.</a:t>
+            </a:r>
+            <a:endParaRPr lang="en-US" sz="1944" dirty="0"/>
           </a:p>
         </p:txBody>
       </p:sp>
@@ -3649,16 +3883,40 @@
           <a:ln/>
         </p:spPr>
       </p:sp>
-      <p:sp>
-        <p:nvSpPr>
-          <p:cNvPr id="4" name="Text 2"/>
-          <p:cNvSpPr/>
-          <p:nvPr/>
-        </p:nvSpPr>
-        <p:spPr>
-          <a:xfrm>
-            <a:off x="864037" y="2545556"/>
-            <a:ext cx="12378452" cy="771525"/>
+      <p:pic>
+        <p:nvPicPr>
+          <p:cNvPr id="4" name="Image 0" descr="preencoded.png"/>
+          <p:cNvPicPr>
+            <a:picLocks noChangeAspect="1"/>
+          </p:cNvPicPr>
+          <p:nvPr/>
+        </p:nvPicPr>
+        <p:blipFill>
+          <a:blip r:embed="rId3"/>
+          <a:stretch>
+            <a:fillRect/>
+          </a:stretch>
+        </p:blipFill>
+        <p:spPr>
+          <a:xfrm>
+            <a:off x="9144000" y="0"/>
+            <a:ext cx="5486400" cy="8229600"/>
+          </a:xfrm>
+          <a:prstGeom prst="rect">
+            <a:avLst/>
+          </a:prstGeom>
+        </p:spPr>
+      </p:pic>
+      <p:sp>
+        <p:nvSpPr>
+          <p:cNvPr id="5" name="Text 2"/>
+          <p:cNvSpPr/>
+          <p:nvPr/>
+        </p:nvSpPr>
+        <p:spPr>
+          <a:xfrm>
+            <a:off x="812840" y="640318"/>
+            <a:ext cx="7518321" cy="1451610"/>
           </a:xfrm>
           <a:prstGeom prst="rect">
             <a:avLst/>
@@ -3667,17 +3925,17 @@
           <a:ln/>
         </p:spPr>
         <p:txBody>
-          <a:bodyPr wrap="none" rtlCol="0" anchor="t"/>
+          <a:bodyPr wrap="square" rtlCol="0" anchor="t"/>
           <a:lstStyle/>
           <a:p>
             <a:pPr marL="0" indent="0">
               <a:lnSpc>
-                <a:spcPts val="6075"/>
+                <a:spcPts val="5715"/>
               </a:lnSpc>
               <a:buNone/>
             </a:pPr>
             <a:r>
-              <a:rPr lang="en-US" sz="4860" dirty="0">
+              <a:rPr lang="en-US" sz="4572" dirty="0">
                 <a:solidFill>
                   <a:srgbClr val="EFD5FA"/>
                 </a:solidFill>
@@ -3685,26 +3943,26 @@
                 <a:ea typeface="Instrument Sans" pitchFamily="34" charset="-122"/>
                 <a:cs typeface="Instrument Sans" pitchFamily="34" charset="-120"/>
               </a:rPr>
-              <a:t>Key Features and Technologies (continued)</a:t>
-            </a:r>
-            <a:endParaRPr lang="en-US" sz="4860" dirty="0"/>
-          </a:p>
-        </p:txBody>
-      </p:sp>
-      <p:sp>
-        <p:nvSpPr>
-          <p:cNvPr id="5" name="Shape 3"/>
-          <p:cNvSpPr/>
-          <p:nvPr/>
-        </p:nvSpPr>
-        <p:spPr>
-          <a:xfrm>
-            <a:off x="864037" y="3965019"/>
-            <a:ext cx="555427" cy="555427"/>
+              <a:t>Key Features and Technologies (final part)</a:t>
+            </a:r>
+            <a:endParaRPr lang="en-US" sz="4572" dirty="0"/>
+          </a:p>
+        </p:txBody>
+      </p:sp>
+      <p:sp>
+        <p:nvSpPr>
+          <p:cNvPr id="6" name="Shape 3"/>
+          <p:cNvSpPr/>
+          <p:nvPr/>
+        </p:nvSpPr>
+        <p:spPr>
+          <a:xfrm>
+            <a:off x="812840" y="2701528"/>
+            <a:ext cx="522565" cy="522565"/>
           </a:xfrm>
           <a:prstGeom prst="roundRect">
             <a:avLst>
-              <a:gd name="adj" fmla="val 6668"/>
+              <a:gd name="adj" fmla="val 6667"/>
             </a:avLst>
           </a:prstGeom>
           <a:solidFill>
@@ -3715,14 +3973,14 @@
       </p:sp>
       <p:sp>
         <p:nvSpPr>
-          <p:cNvPr id="6" name="Text 4"/>
-          <p:cNvSpPr/>
-          <p:nvPr/>
-        </p:nvSpPr>
-        <p:spPr>
-          <a:xfrm>
-            <a:off x="1069658" y="4057531"/>
-            <a:ext cx="144066" cy="370284"/>
+          <p:cNvPr id="7" name="Text 4"/>
+          <p:cNvSpPr/>
+          <p:nvPr/>
+        </p:nvSpPr>
+        <p:spPr>
+          <a:xfrm>
+            <a:off x="1006316" y="2788563"/>
+            <a:ext cx="135612" cy="348377"/>
           </a:xfrm>
           <a:prstGeom prst="rect">
             <a:avLst/>
@@ -3736,12 +3994,12 @@
           <a:p>
             <a:pPr marL="0" indent="0" algn="ctr">
               <a:lnSpc>
-                <a:spcPts val="2916"/>
+                <a:spcPts val="2743"/>
               </a:lnSpc>
               <a:buNone/>
             </a:pPr>
             <a:r>
-              <a:rPr lang="en-US" sz="2916" dirty="0">
+              <a:rPr lang="en-US" sz="2743" dirty="0">
                 <a:solidFill>
                   <a:srgbClr val="C7CDD6"/>
                 </a:solidFill>
@@ -3751,20 +4009,20 @@
               </a:rPr>
               <a:t>1</a:t>
             </a:r>
-            <a:endParaRPr lang="en-US" sz="2916" dirty="0"/>
-          </a:p>
-        </p:txBody>
-      </p:sp>
-      <p:sp>
-        <p:nvSpPr>
-          <p:cNvPr id="7" name="Text 5"/>
-          <p:cNvSpPr/>
-          <p:nvPr/>
-        </p:nvSpPr>
-        <p:spPr>
-          <a:xfrm>
-            <a:off x="1666280" y="3965019"/>
-            <a:ext cx="3086100" cy="385763"/>
+            <a:endParaRPr lang="en-US" sz="2743" dirty="0"/>
+          </a:p>
+        </p:txBody>
+      </p:sp>
+      <p:sp>
+        <p:nvSpPr>
+          <p:cNvPr id="8" name="Text 5"/>
+          <p:cNvSpPr/>
+          <p:nvPr/>
+        </p:nvSpPr>
+        <p:spPr>
+          <a:xfrm>
+            <a:off x="1567577" y="2701528"/>
+            <a:ext cx="3483888" cy="435412"/>
           </a:xfrm>
           <a:prstGeom prst="rect">
             <a:avLst/>
@@ -3778,12 +4036,12 @@
           <a:p>
             <a:pPr marL="0" indent="0">
               <a:lnSpc>
-                <a:spcPts val="3038"/>
+                <a:spcPts val="3429"/>
               </a:lnSpc>
               <a:buNone/>
             </a:pPr>
             <a:r>
-              <a:rPr lang="en-US" sz="2430" dirty="0">
+              <a:rPr lang="en-US" sz="2743" dirty="0">
                 <a:solidFill>
                   <a:srgbClr val="C7CDD6"/>
                 </a:solidFill>
@@ -3791,22 +4049,22 @@
                 <a:ea typeface="Instrument Sans" pitchFamily="34" charset="-122"/>
                 <a:cs typeface="Instrument Sans" pitchFamily="34" charset="-120"/>
               </a:rPr>
-              <a:t>Real-time Chat</a:t>
-            </a:r>
-            <a:endParaRPr lang="en-US" sz="2430" dirty="0"/>
-          </a:p>
-        </p:txBody>
-      </p:sp>
-      <p:sp>
-        <p:nvSpPr>
-          <p:cNvPr id="8" name="Text 6"/>
-          <p:cNvSpPr/>
-          <p:nvPr/>
-        </p:nvSpPr>
-        <p:spPr>
-          <a:xfrm>
-            <a:off x="1666280" y="4498896"/>
-            <a:ext cx="3333988" cy="790099"/>
+              <a:t>Notifications System</a:t>
+            </a:r>
+            <a:endParaRPr lang="en-US" sz="2743" dirty="0"/>
+          </a:p>
+        </p:txBody>
+      </p:sp>
+      <p:sp>
+        <p:nvSpPr>
+          <p:cNvPr id="9" name="Text 6"/>
+          <p:cNvSpPr/>
+          <p:nvPr/>
+        </p:nvSpPr>
+        <p:spPr>
+          <a:xfrm>
+            <a:off x="1567577" y="3276243"/>
+            <a:ext cx="6763583" cy="725567"/>
           </a:xfrm>
           <a:prstGeom prst="rect">
             <a:avLst/>
@@ -3820,39 +4078,39 @@
           <a:p>
             <a:pPr marL="0" indent="0">
               <a:lnSpc>
-                <a:spcPts val="3110"/>
+                <a:spcPts val="2858"/>
               </a:lnSpc>
               <a:buNone/>
             </a:pPr>
             <a:r>
-              <a:rPr lang="en-US" sz="1944" dirty="0">
+              <a:rPr lang="en-US" sz="2286" dirty="0">
                 <a:solidFill>
                   <a:srgbClr val="C7CDD6"/>
                 </a:solidFill>
-                <a:latin typeface="Inter" pitchFamily="34" charset="0"/>
-                <a:ea typeface="Inter" pitchFamily="34" charset="-122"/>
-                <a:cs typeface="Inter" pitchFamily="34" charset="-120"/>
-              </a:rPr>
-              <a:t>Real-time messaging with Socket.io and MongoDB.</a:t>
-            </a:r>
-            <a:endParaRPr lang="en-US" sz="1944" dirty="0"/>
-          </a:p>
-        </p:txBody>
-      </p:sp>
-      <p:sp>
-        <p:nvSpPr>
-          <p:cNvPr id="9" name="Shape 7"/>
-          <p:cNvSpPr/>
-          <p:nvPr/>
-        </p:nvSpPr>
-        <p:spPr>
-          <a:xfrm>
-            <a:off x="5247084" y="3965019"/>
-            <a:ext cx="555427" cy="555427"/>
+                <a:latin typeface="Instrument Sans" pitchFamily="34" charset="0"/>
+                <a:ea typeface="Instrument Sans" pitchFamily="34" charset="-122"/>
+                <a:cs typeface="Instrument Sans" pitchFamily="34" charset="-120"/>
+              </a:rPr>
+              <a:t>Notify users with Push.js, Socket.io, or Firebase Cloud Messaging (FCM).</a:t>
+            </a:r>
+            <a:endParaRPr lang="en-US" sz="2286" dirty="0"/>
+          </a:p>
+        </p:txBody>
+      </p:sp>
+      <p:sp>
+        <p:nvSpPr>
+          <p:cNvPr id="10" name="Shape 7"/>
+          <p:cNvSpPr/>
+          <p:nvPr/>
+        </p:nvSpPr>
+        <p:spPr>
+          <a:xfrm>
+            <a:off x="812840" y="4495205"/>
+            <a:ext cx="522565" cy="522565"/>
           </a:xfrm>
           <a:prstGeom prst="roundRect">
             <a:avLst>
-              <a:gd name="adj" fmla="val 6668"/>
+              <a:gd name="adj" fmla="val 6667"/>
             </a:avLst>
           </a:prstGeom>
           <a:solidFill>
@@ -3863,14 +4121,14 @@
       </p:sp>
       <p:sp>
         <p:nvSpPr>
-          <p:cNvPr id="10" name="Text 8"/>
-          <p:cNvSpPr/>
-          <p:nvPr/>
-        </p:nvSpPr>
-        <p:spPr>
-          <a:xfrm>
-            <a:off x="5422702" y="4057531"/>
-            <a:ext cx="204073" cy="370284"/>
+          <p:cNvPr id="11" name="Text 8"/>
+          <p:cNvSpPr/>
+          <p:nvPr/>
+        </p:nvSpPr>
+        <p:spPr>
+          <a:xfrm>
+            <a:off x="978098" y="4582239"/>
+            <a:ext cx="192048" cy="348377"/>
           </a:xfrm>
           <a:prstGeom prst="rect">
             <a:avLst/>
@@ -3884,12 +4142,12 @@
           <a:p>
             <a:pPr marL="0" indent="0" algn="ctr">
               <a:lnSpc>
-                <a:spcPts val="2916"/>
+                <a:spcPts val="2743"/>
               </a:lnSpc>
               <a:buNone/>
             </a:pPr>
             <a:r>
-              <a:rPr lang="en-US" sz="2916" dirty="0">
+              <a:rPr lang="en-US" sz="2743" dirty="0">
                 <a:solidFill>
                   <a:srgbClr val="C7CDD6"/>
                 </a:solidFill>
@@ -3899,20 +4157,20 @@
               </a:rPr>
               <a:t>2</a:t>
             </a:r>
-            <a:endParaRPr lang="en-US" sz="2916" dirty="0"/>
-          </a:p>
-        </p:txBody>
-      </p:sp>
-      <p:sp>
-        <p:nvSpPr>
-          <p:cNvPr id="11" name="Text 9"/>
-          <p:cNvSpPr/>
-          <p:nvPr/>
-        </p:nvSpPr>
-        <p:spPr>
-          <a:xfrm>
-            <a:off x="6049328" y="3965019"/>
-            <a:ext cx="3086100" cy="385763"/>
+            <a:endParaRPr lang="en-US" sz="2743" dirty="0"/>
+          </a:p>
+        </p:txBody>
+      </p:sp>
+      <p:sp>
+        <p:nvSpPr>
+          <p:cNvPr id="12" name="Text 9"/>
+          <p:cNvSpPr/>
+          <p:nvPr/>
+        </p:nvSpPr>
+        <p:spPr>
+          <a:xfrm>
+            <a:off x="1567577" y="4495205"/>
+            <a:ext cx="3483888" cy="435412"/>
           </a:xfrm>
           <a:prstGeom prst="rect">
             <a:avLst/>
@@ -3926,12 +4184,12 @@
           <a:p>
             <a:pPr marL="0" indent="0">
               <a:lnSpc>
-                <a:spcPts val="3038"/>
+                <a:spcPts val="3429"/>
               </a:lnSpc>
               <a:buNone/>
             </a:pPr>
             <a:r>
-              <a:rPr lang="en-US" sz="2430" dirty="0">
+              <a:rPr lang="en-US" sz="2743" dirty="0">
                 <a:solidFill>
                   <a:srgbClr val="C7CDD6"/>
                 </a:solidFill>
@@ -3939,22 +4197,22 @@
                 <a:ea typeface="Instrument Sans" pitchFamily="34" charset="-122"/>
                 <a:cs typeface="Instrument Sans" pitchFamily="34" charset="-120"/>
               </a:rPr>
-              <a:t>Maps Integration</a:t>
-            </a:r>
-            <a:endParaRPr lang="en-US" sz="2430" dirty="0"/>
-          </a:p>
-        </p:txBody>
-      </p:sp>
-      <p:sp>
-        <p:nvSpPr>
-          <p:cNvPr id="12" name="Text 10"/>
-          <p:cNvSpPr/>
-          <p:nvPr/>
-        </p:nvSpPr>
-        <p:spPr>
-          <a:xfrm>
-            <a:off x="6049328" y="4498896"/>
-            <a:ext cx="3333988" cy="1185148"/>
+              <a:t>Responsive UI/UX</a:t>
+            </a:r>
+            <a:endParaRPr lang="en-US" sz="2743" dirty="0"/>
+          </a:p>
+        </p:txBody>
+      </p:sp>
+      <p:sp>
+        <p:nvSpPr>
+          <p:cNvPr id="13" name="Text 10"/>
+          <p:cNvSpPr/>
+          <p:nvPr/>
+        </p:nvSpPr>
+        <p:spPr>
+          <a:xfrm>
+            <a:off x="1567577" y="5069919"/>
+            <a:ext cx="6763583" cy="725567"/>
           </a:xfrm>
           <a:prstGeom prst="rect">
             <a:avLst/>
@@ -3968,39 +4226,39 @@
           <a:p>
             <a:pPr marL="0" indent="0">
               <a:lnSpc>
-                <a:spcPts val="3110"/>
+                <a:spcPts val="2858"/>
               </a:lnSpc>
               <a:buNone/>
             </a:pPr>
             <a:r>
-              <a:rPr lang="en-US" sz="1944" dirty="0">
+              <a:rPr lang="en-US" sz="2286" dirty="0">
                 <a:solidFill>
                   <a:srgbClr val="C7CDD6"/>
                 </a:solidFill>
-                <a:latin typeface="Inter" pitchFamily="34" charset="0"/>
-                <a:ea typeface="Inter" pitchFamily="34" charset="-122"/>
-                <a:cs typeface="Inter" pitchFamily="34" charset="-120"/>
-              </a:rPr>
-              <a:t>Use Google Maps API or Leaflet.js to show event locations and navigation.</a:t>
-            </a:r>
-            <a:endParaRPr lang="en-US" sz="1944" dirty="0"/>
-          </a:p>
-        </p:txBody>
-      </p:sp>
-      <p:sp>
-        <p:nvSpPr>
-          <p:cNvPr id="13" name="Shape 11"/>
-          <p:cNvSpPr/>
-          <p:nvPr/>
-        </p:nvSpPr>
-        <p:spPr>
-          <a:xfrm>
-            <a:off x="9630132" y="3965019"/>
-            <a:ext cx="555427" cy="555427"/>
+                <a:latin typeface="Instrument Sans" pitchFamily="34" charset="0"/>
+                <a:ea typeface="Instrument Sans" pitchFamily="34" charset="-122"/>
+                <a:cs typeface="Instrument Sans" pitchFamily="34" charset="-120"/>
+              </a:rPr>
+              <a:t>Build a user-friendly interface with React and Material-UI or Bootstrap.</a:t>
+            </a:r>
+            <a:endParaRPr lang="en-US" sz="2286" dirty="0"/>
+          </a:p>
+        </p:txBody>
+      </p:sp>
+      <p:sp>
+        <p:nvSpPr>
+          <p:cNvPr id="14" name="Shape 11"/>
+          <p:cNvSpPr/>
+          <p:nvPr/>
+        </p:nvSpPr>
+        <p:spPr>
+          <a:xfrm>
+            <a:off x="812840" y="6288881"/>
+            <a:ext cx="522565" cy="522565"/>
           </a:xfrm>
           <a:prstGeom prst="roundRect">
             <a:avLst>
-              <a:gd name="adj" fmla="val 6668"/>
+              <a:gd name="adj" fmla="val 6667"/>
             </a:avLst>
           </a:prstGeom>
           <a:solidFill>
@@ -4011,14 +4269,14 @@
       </p:sp>
       <p:sp>
         <p:nvSpPr>
-          <p:cNvPr id="14" name="Text 12"/>
-          <p:cNvSpPr/>
-          <p:nvPr/>
-        </p:nvSpPr>
-        <p:spPr>
-          <a:xfrm>
-            <a:off x="9800987" y="4057531"/>
-            <a:ext cx="213717" cy="370284"/>
+          <p:cNvPr id="15" name="Text 12"/>
+          <p:cNvSpPr/>
+          <p:nvPr/>
+        </p:nvSpPr>
+        <p:spPr>
+          <a:xfrm>
+            <a:off x="973574" y="6375916"/>
+            <a:ext cx="201097" cy="348377"/>
           </a:xfrm>
           <a:prstGeom prst="rect">
             <a:avLst/>
@@ -4032,12 +4290,12 @@
           <a:p>
             <a:pPr marL="0" indent="0" algn="ctr">
               <a:lnSpc>
-                <a:spcPts val="2916"/>
+                <a:spcPts val="2743"/>
               </a:lnSpc>
               <a:buNone/>
             </a:pPr>
             <a:r>
-              <a:rPr lang="en-US" sz="2916" dirty="0">
+              <a:rPr lang="en-US" sz="2743" dirty="0">
                 <a:solidFill>
                   <a:srgbClr val="C7CDD6"/>
                 </a:solidFill>
@@ -4047,20 +4305,20 @@
               </a:rPr>
               <a:t>3</a:t>
             </a:r>
-            <a:endParaRPr lang="en-US" sz="2916" dirty="0"/>
-          </a:p>
-        </p:txBody>
-      </p:sp>
-      <p:sp>
-        <p:nvSpPr>
-          <p:cNvPr id="15" name="Text 13"/>
-          <p:cNvSpPr/>
-          <p:nvPr/>
-        </p:nvSpPr>
-        <p:spPr>
-          <a:xfrm>
-            <a:off x="10432375" y="3965019"/>
-            <a:ext cx="3086100" cy="385763"/>
+            <a:endParaRPr lang="en-US" sz="2743" dirty="0"/>
+          </a:p>
+        </p:txBody>
+      </p:sp>
+      <p:sp>
+        <p:nvSpPr>
+          <p:cNvPr id="16" name="Text 13"/>
+          <p:cNvSpPr/>
+          <p:nvPr/>
+        </p:nvSpPr>
+        <p:spPr>
+          <a:xfrm>
+            <a:off x="1567577" y="6288881"/>
+            <a:ext cx="4223385" cy="435412"/>
           </a:xfrm>
           <a:prstGeom prst="rect">
             <a:avLst/>
@@ -4074,12 +4332,12 @@
           <a:p>
             <a:pPr marL="0" indent="0">
               <a:lnSpc>
-                <a:spcPts val="3038"/>
+                <a:spcPts val="3429"/>
               </a:lnSpc>
               <a:buNone/>
             </a:pPr>
             <a:r>
-              <a:rPr lang="en-US" sz="2430" dirty="0">
+              <a:rPr lang="en-US" sz="2743" dirty="0">
                 <a:solidFill>
                   <a:srgbClr val="C7CDD6"/>
                 </a:solidFill>
@@ -4087,22 +4345,22 @@
                 <a:ea typeface="Instrument Sans" pitchFamily="34" charset="-122"/>
                 <a:cs typeface="Instrument Sans" pitchFamily="34" charset="-120"/>
               </a:rPr>
-              <a:t>Event Scheduling</a:t>
-            </a:r>
-            <a:endParaRPr lang="en-US" sz="2430" dirty="0"/>
-          </a:p>
-        </p:txBody>
-      </p:sp>
-      <p:sp>
-        <p:nvSpPr>
-          <p:cNvPr id="16" name="Text 14"/>
-          <p:cNvSpPr/>
-          <p:nvPr/>
-        </p:nvSpPr>
-        <p:spPr>
-          <a:xfrm>
-            <a:off x="10432375" y="4498896"/>
-            <a:ext cx="3333988" cy="1185148"/>
+              <a:t>Security and Performance</a:t>
+            </a:r>
+            <a:endParaRPr lang="en-US" sz="2743" dirty="0"/>
+          </a:p>
+        </p:txBody>
+      </p:sp>
+      <p:sp>
+        <p:nvSpPr>
+          <p:cNvPr id="17" name="Text 14"/>
+          <p:cNvSpPr/>
+          <p:nvPr/>
+        </p:nvSpPr>
+        <p:spPr>
+          <a:xfrm>
+            <a:off x="1567577" y="6863596"/>
+            <a:ext cx="6763583" cy="725567"/>
           </a:xfrm>
           <a:prstGeom prst="rect">
             <a:avLst/>
@@ -4116,22 +4374,22 @@
           <a:p>
             <a:pPr marL="0" indent="0">
               <a:lnSpc>
-                <a:spcPts val="3110"/>
+                <a:spcPts val="2858"/>
               </a:lnSpc>
               <a:buNone/>
             </a:pPr>
             <a:r>
-              <a:rPr lang="en-US" sz="1944" dirty="0">
+              <a:rPr lang="en-US" sz="2286" dirty="0">
                 <a:solidFill>
                   <a:srgbClr val="C7CDD6"/>
                 </a:solidFill>
-                <a:latin typeface="Inter" pitchFamily="34" charset="0"/>
-                <a:ea typeface="Inter" pitchFamily="34" charset="-122"/>
-                <a:cs typeface="Inter" pitchFamily="34" charset="-120"/>
-              </a:rPr>
-              <a:t>Manage events with a calendar using FullCalendar.js.</a:t>
-            </a:r>
-            <a:endParaRPr lang="en-US" sz="1944" dirty="0"/>
+                <a:latin typeface="Instrument Sans" pitchFamily="34" charset="0"/>
+                <a:ea typeface="Instrument Sans" pitchFamily="34" charset="-122"/>
+                <a:cs typeface="Instrument Sans" pitchFamily="34" charset="-120"/>
+              </a:rPr>
+              <a:t>Enhance security with Helmet.js and rate limiting, and use Redis for caching.</a:t>
+            </a:r>
+            <a:endParaRPr lang="en-US" sz="2286" dirty="0"/>
           </a:p>
         </p:txBody>
       </p:sp>
@@ -4200,40 +4458,16 @@
           <a:ln/>
         </p:spPr>
       </p:sp>
-      <p:pic>
-        <p:nvPicPr>
-          <p:cNvPr id="4" name="Image 0" descr="preencoded.png"/>
-          <p:cNvPicPr>
-            <a:picLocks noChangeAspect="1"/>
-          </p:cNvPicPr>
-          <p:nvPr/>
-        </p:nvPicPr>
-        <p:blipFill>
-          <a:blip r:embed="rId3"/>
-          <a:stretch>
-            <a:fillRect/>
-          </a:stretch>
-        </p:blipFill>
-        <p:spPr>
-          <a:xfrm>
-            <a:off x="9144000" y="0"/>
-            <a:ext cx="5486400" cy="8229600"/>
-          </a:xfrm>
-          <a:prstGeom prst="rect">
-            <a:avLst/>
-          </a:prstGeom>
-        </p:spPr>
-      </p:pic>
-      <p:sp>
-        <p:nvSpPr>
-          <p:cNvPr id="5" name="Text 2"/>
-          <p:cNvSpPr/>
-          <p:nvPr/>
-        </p:nvSpPr>
-        <p:spPr>
-          <a:xfrm>
-            <a:off x="812840" y="640318"/>
-            <a:ext cx="7518321" cy="1451610"/>
+      <p:sp>
+        <p:nvSpPr>
+          <p:cNvPr id="4" name="Text 2"/>
+          <p:cNvSpPr/>
+          <p:nvPr/>
+        </p:nvSpPr>
+        <p:spPr>
+          <a:xfrm>
+            <a:off x="859036" y="720090"/>
+            <a:ext cx="6047423" cy="738545"/>
           </a:xfrm>
           <a:prstGeom prst="rect">
             <a:avLst/>
@@ -4242,17 +4476,17 @@
           <a:ln/>
         </p:spPr>
         <p:txBody>
-          <a:bodyPr wrap="square" rtlCol="0" anchor="t"/>
+          <a:bodyPr wrap="none" rtlCol="0" anchor="t"/>
           <a:lstStyle/>
           <a:p>
             <a:pPr marL="0" indent="0">
               <a:lnSpc>
-                <a:spcPts val="5715"/>
+                <a:spcPts val="5816"/>
               </a:lnSpc>
               <a:buNone/>
             </a:pPr>
             <a:r>
-              <a:rPr lang="en-US" sz="4572" dirty="0">
+              <a:rPr lang="en-US" sz="4653" dirty="0">
                 <a:solidFill>
                   <a:srgbClr val="EFD5FA"/>
                 </a:solidFill>
@@ -4260,22 +4494,66 @@
                 <a:ea typeface="Instrument Sans" pitchFamily="34" charset="-122"/>
                 <a:cs typeface="Instrument Sans" pitchFamily="34" charset="-120"/>
               </a:rPr>
-              <a:t>Key Features and Technologies (final part)</a:t>
-            </a:r>
-            <a:endParaRPr lang="en-US" sz="4572" dirty="0"/>
-          </a:p>
-        </p:txBody>
-      </p:sp>
-      <p:sp>
-        <p:nvSpPr>
-          <p:cNvPr id="6" name="Shape 3"/>
-          <p:cNvSpPr/>
-          <p:nvPr/>
-        </p:nvSpPr>
-        <p:spPr>
-          <a:xfrm>
-            <a:off x="812840" y="2701528"/>
-            <a:ext cx="522565" cy="522565"/>
+              <a:t>Development Process</a:t>
+            </a:r>
+            <a:endParaRPr lang="en-US" sz="4653" dirty="0"/>
+          </a:p>
+        </p:txBody>
+      </p:sp>
+      <p:sp>
+        <p:nvSpPr>
+          <p:cNvPr id="5" name="Shape 3"/>
+          <p:cNvSpPr/>
+          <p:nvPr/>
+        </p:nvSpPr>
+        <p:spPr>
+          <a:xfrm>
+            <a:off x="7299960" y="1813203"/>
+            <a:ext cx="30480" cy="5696188"/>
+          </a:xfrm>
+          <a:prstGeom prst="roundRect">
+            <a:avLst>
+              <a:gd name="adj" fmla="val 116330"/>
+            </a:avLst>
+          </a:prstGeom>
+          <a:solidFill>
+            <a:srgbClr val="5C5C61"/>
+          </a:solidFill>
+          <a:ln/>
+        </p:spPr>
+      </p:sp>
+      <p:sp>
+        <p:nvSpPr>
+          <p:cNvPr id="6" name="Shape 4"/>
+          <p:cNvSpPr/>
+          <p:nvPr/>
+        </p:nvSpPr>
+        <p:spPr>
+          <a:xfrm>
+            <a:off x="6252508" y="2329696"/>
+            <a:ext cx="827246" cy="30480"/>
+          </a:xfrm>
+          <a:prstGeom prst="roundRect">
+            <a:avLst>
+              <a:gd name="adj" fmla="val 116330"/>
+            </a:avLst>
+          </a:prstGeom>
+          <a:solidFill>
+            <a:srgbClr val="5C5C61"/>
+          </a:solidFill>
+          <a:ln/>
+        </p:spPr>
+      </p:sp>
+      <p:sp>
+        <p:nvSpPr>
+          <p:cNvPr id="7" name="Shape 5"/>
+          <p:cNvSpPr/>
+          <p:nvPr/>
+        </p:nvSpPr>
+        <p:spPr>
+          <a:xfrm>
+            <a:off x="7049274" y="2079069"/>
+            <a:ext cx="531852" cy="531852"/>
           </a:xfrm>
           <a:prstGeom prst="roundRect">
             <a:avLst>
@@ -4290,14 +4568,14 @@
       </p:sp>
       <p:sp>
         <p:nvSpPr>
-          <p:cNvPr id="7" name="Text 4"/>
-          <p:cNvSpPr/>
-          <p:nvPr/>
-        </p:nvSpPr>
-        <p:spPr>
-          <a:xfrm>
-            <a:off x="1006316" y="2788563"/>
-            <a:ext cx="135612" cy="348377"/>
+          <p:cNvPr id="8" name="Text 6"/>
+          <p:cNvSpPr/>
+          <p:nvPr/>
+        </p:nvSpPr>
+        <p:spPr>
+          <a:xfrm>
+            <a:off x="7246203" y="2167652"/>
+            <a:ext cx="137993" cy="354568"/>
           </a:xfrm>
           <a:prstGeom prst="rect">
             <a:avLst/>
@@ -4311,12 +4589,12 @@
           <a:p>
             <a:pPr marL="0" indent="0" algn="ctr">
               <a:lnSpc>
-                <a:spcPts val="2743"/>
+                <a:spcPts val="2792"/>
               </a:lnSpc>
               <a:buNone/>
             </a:pPr>
             <a:r>
-              <a:rPr lang="en-US" sz="2743" dirty="0">
+              <a:rPr lang="en-US" sz="2792" dirty="0">
                 <a:solidFill>
                   <a:srgbClr val="C7CDD6"/>
                 </a:solidFill>
@@ -4326,20 +4604,20 @@
               </a:rPr>
               <a:t>1</a:t>
             </a:r>
-            <a:endParaRPr lang="en-US" sz="2743" dirty="0"/>
-          </a:p>
-        </p:txBody>
-      </p:sp>
-      <p:sp>
-        <p:nvSpPr>
-          <p:cNvPr id="8" name="Text 5"/>
-          <p:cNvSpPr/>
-          <p:nvPr/>
-        </p:nvSpPr>
-        <p:spPr>
-          <a:xfrm>
-            <a:off x="1567577" y="2701528"/>
-            <a:ext cx="3483888" cy="435412"/>
+            <a:endParaRPr lang="en-US" sz="2792" dirty="0"/>
+          </a:p>
+        </p:txBody>
+      </p:sp>
+      <p:sp>
+        <p:nvSpPr>
+          <p:cNvPr id="9" name="Text 7"/>
+          <p:cNvSpPr/>
+          <p:nvPr/>
+        </p:nvSpPr>
+        <p:spPr>
+          <a:xfrm>
+            <a:off x="2469475" y="2049542"/>
+            <a:ext cx="3545681" cy="443151"/>
           </a:xfrm>
           <a:prstGeom prst="rect">
             <a:avLst/>
@@ -4351,14 +4629,14 @@
           <a:bodyPr wrap="none" rtlCol="0" anchor="t"/>
           <a:lstStyle/>
           <a:p>
-            <a:pPr marL="0" indent="0">
+            <a:pPr marL="0" indent="0" algn="r">
               <a:lnSpc>
-                <a:spcPts val="3429"/>
+                <a:spcPts val="3490"/>
               </a:lnSpc>
               <a:buNone/>
             </a:pPr>
             <a:r>
-              <a:rPr lang="en-US" sz="2743" dirty="0">
+              <a:rPr lang="en-US" sz="2792" dirty="0">
                 <a:solidFill>
                   <a:srgbClr val="C7CDD6"/>
                 </a:solidFill>
@@ -4366,22 +4644,22 @@
                 <a:ea typeface="Instrument Sans" pitchFamily="34" charset="-122"/>
                 <a:cs typeface="Instrument Sans" pitchFamily="34" charset="-120"/>
               </a:rPr>
-              <a:t>Notifications System</a:t>
-            </a:r>
-            <a:endParaRPr lang="en-US" sz="2743" dirty="0"/>
-          </a:p>
-        </p:txBody>
-      </p:sp>
-      <p:sp>
-        <p:nvSpPr>
-          <p:cNvPr id="9" name="Text 6"/>
-          <p:cNvSpPr/>
-          <p:nvPr/>
-        </p:nvSpPr>
-        <p:spPr>
-          <a:xfrm>
-            <a:off x="1567577" y="3276243"/>
-            <a:ext cx="6763583" cy="725567"/>
+              <a:t>Planning and Design</a:t>
+            </a:r>
+            <a:endParaRPr lang="en-US" sz="2792" dirty="0"/>
+          </a:p>
+        </p:txBody>
+      </p:sp>
+      <p:sp>
+        <p:nvSpPr>
+          <p:cNvPr id="10" name="Text 8"/>
+          <p:cNvSpPr/>
+          <p:nvPr/>
+        </p:nvSpPr>
+        <p:spPr>
+          <a:xfrm>
+            <a:off x="859036" y="2634496"/>
+            <a:ext cx="5156121" cy="738664"/>
           </a:xfrm>
           <a:prstGeom prst="rect">
             <a:avLst/>
@@ -4393,14 +4671,14 @@
           <a:bodyPr wrap="square" rtlCol="0" anchor="t"/>
           <a:lstStyle/>
           <a:p>
-            <a:pPr marL="0" indent="0">
+            <a:pPr marL="0" indent="0" algn="r">
               <a:lnSpc>
-                <a:spcPts val="2858"/>
+                <a:spcPts val="2908"/>
               </a:lnSpc>
               <a:buNone/>
             </a:pPr>
             <a:r>
-              <a:rPr lang="en-US" sz="2286" dirty="0">
+              <a:rPr lang="en-US" sz="2327" dirty="0">
                 <a:solidFill>
                   <a:srgbClr val="C7CDD6"/>
                 </a:solidFill>
@@ -4408,22 +4686,44 @@
                 <a:ea typeface="Instrument Sans" pitchFamily="34" charset="-122"/>
                 <a:cs typeface="Instrument Sans" pitchFamily="34" charset="-120"/>
               </a:rPr>
-              <a:t>Notify users with Push.js, Socket.io, or Firebase Cloud Messaging (FCM).</a:t>
-            </a:r>
-            <a:endParaRPr lang="en-US" sz="2286" dirty="0"/>
-          </a:p>
-        </p:txBody>
-      </p:sp>
-      <p:sp>
-        <p:nvSpPr>
-          <p:cNvPr id="10" name="Shape 7"/>
-          <p:cNvSpPr/>
-          <p:nvPr/>
-        </p:nvSpPr>
-        <p:spPr>
-          <a:xfrm>
-            <a:off x="812840" y="4495205"/>
-            <a:ext cx="522565" cy="522565"/>
+              <a:t>Define features and create wireframes and database schema.</a:t>
+            </a:r>
+            <a:endParaRPr lang="en-US" sz="2327" dirty="0"/>
+          </a:p>
+        </p:txBody>
+      </p:sp>
+      <p:sp>
+        <p:nvSpPr>
+          <p:cNvPr id="11" name="Shape 9"/>
+          <p:cNvSpPr/>
+          <p:nvPr/>
+        </p:nvSpPr>
+        <p:spPr>
+          <a:xfrm>
+            <a:off x="7550646" y="3511510"/>
+            <a:ext cx="827246" cy="30480"/>
+          </a:xfrm>
+          <a:prstGeom prst="roundRect">
+            <a:avLst>
+              <a:gd name="adj" fmla="val 116330"/>
+            </a:avLst>
+          </a:prstGeom>
+          <a:solidFill>
+            <a:srgbClr val="5C5C61"/>
+          </a:solidFill>
+          <a:ln/>
+        </p:spPr>
+      </p:sp>
+      <p:sp>
+        <p:nvSpPr>
+          <p:cNvPr id="12" name="Shape 10"/>
+          <p:cNvSpPr/>
+          <p:nvPr/>
+        </p:nvSpPr>
+        <p:spPr>
+          <a:xfrm>
+            <a:off x="7049274" y="3260884"/>
+            <a:ext cx="531852" cy="531852"/>
           </a:xfrm>
           <a:prstGeom prst="roundRect">
             <a:avLst>
@@ -4438,14 +4738,14 @@
       </p:sp>
       <p:sp>
         <p:nvSpPr>
-          <p:cNvPr id="11" name="Text 8"/>
-          <p:cNvSpPr/>
-          <p:nvPr/>
-        </p:nvSpPr>
-        <p:spPr>
-          <a:xfrm>
-            <a:off x="978098" y="4582239"/>
-            <a:ext cx="192048" cy="348377"/>
+          <p:cNvPr id="13" name="Text 11"/>
+          <p:cNvSpPr/>
+          <p:nvPr/>
+        </p:nvSpPr>
+        <p:spPr>
+          <a:xfrm>
+            <a:off x="7217509" y="3349466"/>
+            <a:ext cx="195382" cy="354568"/>
           </a:xfrm>
           <a:prstGeom prst="rect">
             <a:avLst/>
@@ -4459,12 +4759,12 @@
           <a:p>
             <a:pPr marL="0" indent="0" algn="ctr">
               <a:lnSpc>
-                <a:spcPts val="2743"/>
+                <a:spcPts val="2792"/>
               </a:lnSpc>
               <a:buNone/>
             </a:pPr>
             <a:r>
-              <a:rPr lang="en-US" sz="2743" dirty="0">
+              <a:rPr lang="en-US" sz="2792" dirty="0">
                 <a:solidFill>
                   <a:srgbClr val="C7CDD6"/>
                 </a:solidFill>
@@ -4474,20 +4774,20 @@
               </a:rPr>
               <a:t>2</a:t>
             </a:r>
-            <a:endParaRPr lang="en-US" sz="2743" dirty="0"/>
-          </a:p>
-        </p:txBody>
-      </p:sp>
-      <p:sp>
-        <p:nvSpPr>
-          <p:cNvPr id="12" name="Text 9"/>
-          <p:cNvSpPr/>
-          <p:nvPr/>
-        </p:nvSpPr>
-        <p:spPr>
-          <a:xfrm>
-            <a:off x="1567577" y="4495205"/>
-            <a:ext cx="3483888" cy="435412"/>
+            <a:endParaRPr lang="en-US" sz="2792" dirty="0"/>
+          </a:p>
+        </p:txBody>
+      </p:sp>
+      <p:sp>
+        <p:nvSpPr>
+          <p:cNvPr id="14" name="Text 12"/>
+          <p:cNvSpPr/>
+          <p:nvPr/>
+        </p:nvSpPr>
+        <p:spPr>
+          <a:xfrm>
+            <a:off x="8615243" y="3231356"/>
+            <a:ext cx="3735229" cy="443151"/>
           </a:xfrm>
           <a:prstGeom prst="rect">
             <a:avLst/>
@@ -4499,14 +4799,14 @@
           <a:bodyPr wrap="none" rtlCol="0" anchor="t"/>
           <a:lstStyle/>
           <a:p>
-            <a:pPr marL="0" indent="0">
+            <a:pPr marL="0" indent="0" algn="l">
               <a:lnSpc>
-                <a:spcPts val="3429"/>
+                <a:spcPts val="3490"/>
               </a:lnSpc>
               <a:buNone/>
             </a:pPr>
             <a:r>
-              <a:rPr lang="en-US" sz="2743" dirty="0">
+              <a:rPr lang="en-US" sz="2792" dirty="0">
                 <a:solidFill>
                   <a:srgbClr val="C7CDD6"/>
                 </a:solidFill>
@@ -4514,22 +4814,22 @@
                 <a:ea typeface="Instrument Sans" pitchFamily="34" charset="-122"/>
                 <a:cs typeface="Instrument Sans" pitchFamily="34" charset="-120"/>
               </a:rPr>
-              <a:t>Responsive UI/UX</a:t>
-            </a:r>
-            <a:endParaRPr lang="en-US" sz="2743" dirty="0"/>
-          </a:p>
-        </p:txBody>
-      </p:sp>
-      <p:sp>
-        <p:nvSpPr>
-          <p:cNvPr id="13" name="Text 10"/>
-          <p:cNvSpPr/>
-          <p:nvPr/>
-        </p:nvSpPr>
-        <p:spPr>
-          <a:xfrm>
-            <a:off x="1567577" y="5069919"/>
-            <a:ext cx="6763583" cy="725567"/>
+              <a:t>Backend Development</a:t>
+            </a:r>
+            <a:endParaRPr lang="en-US" sz="2792" dirty="0"/>
+          </a:p>
+        </p:txBody>
+      </p:sp>
+      <p:sp>
+        <p:nvSpPr>
+          <p:cNvPr id="15" name="Text 13"/>
+          <p:cNvSpPr/>
+          <p:nvPr/>
+        </p:nvSpPr>
+        <p:spPr>
+          <a:xfrm>
+            <a:off x="8615243" y="3816310"/>
+            <a:ext cx="5156121" cy="738664"/>
           </a:xfrm>
           <a:prstGeom prst="rect">
             <a:avLst/>
@@ -4541,14 +4841,14 @@
           <a:bodyPr wrap="square" rtlCol="0" anchor="t"/>
           <a:lstStyle/>
           <a:p>
-            <a:pPr marL="0" indent="0">
+            <a:pPr marL="0" indent="0" algn="l">
               <a:lnSpc>
-                <a:spcPts val="2858"/>
+                <a:spcPts val="2908"/>
               </a:lnSpc>
               <a:buNone/>
             </a:pPr>
             <a:r>
-              <a:rPr lang="en-US" sz="2286" dirty="0">
+              <a:rPr lang="en-US" sz="2327" dirty="0">
                 <a:solidFill>
                   <a:srgbClr val="C7CDD6"/>
                 </a:solidFill>
@@ -4556,22 +4856,44 @@
                 <a:ea typeface="Instrument Sans" pitchFamily="34" charset="-122"/>
                 <a:cs typeface="Instrument Sans" pitchFamily="34" charset="-120"/>
               </a:rPr>
-              <a:t>Build a user-friendly interface with React and Material-UI or Bootstrap.</a:t>
-            </a:r>
-            <a:endParaRPr lang="en-US" sz="2286" dirty="0"/>
-          </a:p>
-        </p:txBody>
-      </p:sp>
-      <p:sp>
-        <p:nvSpPr>
-          <p:cNvPr id="14" name="Shape 11"/>
-          <p:cNvSpPr/>
-          <p:nvPr/>
-        </p:nvSpPr>
-        <p:spPr>
-          <a:xfrm>
-            <a:off x="812840" y="6288881"/>
-            <a:ext cx="522565" cy="522565"/>
+              <a:t>Set up Node.js server, develop APIs, and integrate WebRTC and Socket.io.</a:t>
+            </a:r>
+            <a:endParaRPr lang="en-US" sz="2327" dirty="0"/>
+          </a:p>
+        </p:txBody>
+      </p:sp>
+      <p:sp>
+        <p:nvSpPr>
+          <p:cNvPr id="16" name="Shape 14"/>
+          <p:cNvSpPr/>
+          <p:nvPr/>
+        </p:nvSpPr>
+        <p:spPr>
+          <a:xfrm>
+            <a:off x="6252508" y="4575096"/>
+            <a:ext cx="827246" cy="30480"/>
+          </a:xfrm>
+          <a:prstGeom prst="roundRect">
+            <a:avLst>
+              <a:gd name="adj" fmla="val 116330"/>
+            </a:avLst>
+          </a:prstGeom>
+          <a:solidFill>
+            <a:srgbClr val="5C5C61"/>
+          </a:solidFill>
+          <a:ln/>
+        </p:spPr>
+      </p:sp>
+      <p:sp>
+        <p:nvSpPr>
+          <p:cNvPr id="17" name="Shape 15"/>
+          <p:cNvSpPr/>
+          <p:nvPr/>
+        </p:nvSpPr>
+        <p:spPr>
+          <a:xfrm>
+            <a:off x="7049274" y="4324469"/>
+            <a:ext cx="531852" cy="531852"/>
           </a:xfrm>
           <a:prstGeom prst="roundRect">
             <a:avLst>
@@ -4586,14 +4908,14 @@
       </p:sp>
       <p:sp>
         <p:nvSpPr>
-          <p:cNvPr id="15" name="Text 12"/>
-          <p:cNvSpPr/>
-          <p:nvPr/>
-        </p:nvSpPr>
-        <p:spPr>
-          <a:xfrm>
-            <a:off x="973574" y="6375916"/>
-            <a:ext cx="201097" cy="348377"/>
+          <p:cNvPr id="18" name="Text 16"/>
+          <p:cNvSpPr/>
+          <p:nvPr/>
+        </p:nvSpPr>
+        <p:spPr>
+          <a:xfrm>
+            <a:off x="7212866" y="4413052"/>
+            <a:ext cx="204549" cy="354568"/>
           </a:xfrm>
           <a:prstGeom prst="rect">
             <a:avLst/>
@@ -4607,12 +4929,12 @@
           <a:p>
             <a:pPr marL="0" indent="0" algn="ctr">
               <a:lnSpc>
-                <a:spcPts val="2743"/>
+                <a:spcPts val="2792"/>
               </a:lnSpc>
               <a:buNone/>
             </a:pPr>
             <a:r>
-              <a:rPr lang="en-US" sz="2743" dirty="0">
+              <a:rPr lang="en-US" sz="2792" dirty="0">
                 <a:solidFill>
                   <a:srgbClr val="C7CDD6"/>
                 </a:solidFill>
@@ -4622,20 +4944,20 @@
               </a:rPr>
               <a:t>3</a:t>
             </a:r>
-            <a:endParaRPr lang="en-US" sz="2743" dirty="0"/>
-          </a:p>
-        </p:txBody>
-      </p:sp>
-      <p:sp>
-        <p:nvSpPr>
-          <p:cNvPr id="16" name="Text 13"/>
-          <p:cNvSpPr/>
-          <p:nvPr/>
-        </p:nvSpPr>
-        <p:spPr>
-          <a:xfrm>
-            <a:off x="1567577" y="6288881"/>
-            <a:ext cx="4223385" cy="435412"/>
+            <a:endParaRPr lang="en-US" sz="2792" dirty="0"/>
+          </a:p>
+        </p:txBody>
+      </p:sp>
+      <p:sp>
+        <p:nvSpPr>
+          <p:cNvPr id="19" name="Text 17"/>
+          <p:cNvSpPr/>
+          <p:nvPr/>
+        </p:nvSpPr>
+        <p:spPr>
+          <a:xfrm>
+            <a:off x="2172891" y="4294942"/>
+            <a:ext cx="3842266" cy="443151"/>
           </a:xfrm>
           <a:prstGeom prst="rect">
             <a:avLst/>
@@ -4647,14 +4969,14 @@
           <a:bodyPr wrap="none" rtlCol="0" anchor="t"/>
           <a:lstStyle/>
           <a:p>
-            <a:pPr marL="0" indent="0">
+            <a:pPr marL="0" indent="0" algn="r">
               <a:lnSpc>
-                <a:spcPts val="3429"/>
+                <a:spcPts val="3490"/>
               </a:lnSpc>
               <a:buNone/>
             </a:pPr>
             <a:r>
-              <a:rPr lang="en-US" sz="2743" dirty="0">
+              <a:rPr lang="en-US" sz="2792" dirty="0">
                 <a:solidFill>
                   <a:srgbClr val="C7CDD6"/>
                 </a:solidFill>
@@ -4662,22 +4984,22 @@
                 <a:ea typeface="Instrument Sans" pitchFamily="34" charset="-122"/>
                 <a:cs typeface="Instrument Sans" pitchFamily="34" charset="-120"/>
               </a:rPr>
-              <a:t>Security and Performance</a:t>
-            </a:r>
-            <a:endParaRPr lang="en-US" sz="2743" dirty="0"/>
-          </a:p>
-        </p:txBody>
-      </p:sp>
-      <p:sp>
-        <p:nvSpPr>
-          <p:cNvPr id="17" name="Text 14"/>
-          <p:cNvSpPr/>
-          <p:nvPr/>
-        </p:nvSpPr>
-        <p:spPr>
-          <a:xfrm>
-            <a:off x="1567577" y="6863596"/>
-            <a:ext cx="6763583" cy="725567"/>
+              <a:t>Frontend Development</a:t>
+            </a:r>
+            <a:endParaRPr lang="en-US" sz="2792" dirty="0"/>
+          </a:p>
+        </p:txBody>
+      </p:sp>
+      <p:sp>
+        <p:nvSpPr>
+          <p:cNvPr id="20" name="Text 18"/>
+          <p:cNvSpPr/>
+          <p:nvPr/>
+        </p:nvSpPr>
+        <p:spPr>
+          <a:xfrm>
+            <a:off x="859036" y="4879896"/>
+            <a:ext cx="5156121" cy="1329452"/>
           </a:xfrm>
           <a:prstGeom prst="rect">
             <a:avLst/>
@@ -4689,14 +5011,14 @@
           <a:bodyPr wrap="square" rtlCol="0" anchor="t"/>
           <a:lstStyle/>
           <a:p>
-            <a:pPr marL="0" indent="0">
+            <a:pPr marL="0" indent="0" algn="r">
               <a:lnSpc>
-                <a:spcPts val="2858"/>
+                <a:spcPts val="3490"/>
               </a:lnSpc>
               <a:buNone/>
             </a:pPr>
             <a:r>
-              <a:rPr lang="en-US" sz="2286" dirty="0">
+              <a:rPr lang="en-US" sz="2792" dirty="0">
                 <a:solidFill>
                   <a:srgbClr val="C7CDD6"/>
                 </a:solidFill>
@@ -4704,9 +5026,179 @@
                 <a:ea typeface="Instrument Sans" pitchFamily="34" charset="-122"/>
                 <a:cs typeface="Instrument Sans" pitchFamily="34" charset="-120"/>
               </a:rPr>
-              <a:t>Enhance security with Helmet.js and rate limiting, and use Redis for caching.</a:t>
-            </a:r>
-            <a:endParaRPr lang="en-US" sz="2286" dirty="0"/>
+              <a:t>Build React components for each feature and integrate with backend APIs.</a:t>
+            </a:r>
+            <a:endParaRPr lang="en-US" sz="2792" dirty="0"/>
+          </a:p>
+        </p:txBody>
+      </p:sp>
+      <p:sp>
+        <p:nvSpPr>
+          <p:cNvPr id="21" name="Shape 19"/>
+          <p:cNvSpPr/>
+          <p:nvPr/>
+        </p:nvSpPr>
+        <p:spPr>
+          <a:xfrm>
+            <a:off x="7550646" y="5886807"/>
+            <a:ext cx="827246" cy="30480"/>
+          </a:xfrm>
+          <a:prstGeom prst="roundRect">
+            <a:avLst>
+              <a:gd name="adj" fmla="val 116330"/>
+            </a:avLst>
+          </a:prstGeom>
+          <a:solidFill>
+            <a:srgbClr val="5C5C61"/>
+          </a:solidFill>
+          <a:ln/>
+        </p:spPr>
+      </p:sp>
+      <p:sp>
+        <p:nvSpPr>
+          <p:cNvPr id="22" name="Shape 20"/>
+          <p:cNvSpPr/>
+          <p:nvPr/>
+        </p:nvSpPr>
+        <p:spPr>
+          <a:xfrm>
+            <a:off x="7049274" y="5636181"/>
+            <a:ext cx="531852" cy="531852"/>
+          </a:xfrm>
+          <a:prstGeom prst="roundRect">
+            <a:avLst>
+              <a:gd name="adj" fmla="val 6667"/>
+            </a:avLst>
+          </a:prstGeom>
+          <a:solidFill>
+            <a:srgbClr val="434348"/>
+          </a:solidFill>
+          <a:ln/>
+        </p:spPr>
+      </p:sp>
+      <p:sp>
+        <p:nvSpPr>
+          <p:cNvPr id="23" name="Text 21"/>
+          <p:cNvSpPr/>
+          <p:nvPr/>
+        </p:nvSpPr>
+        <p:spPr>
+          <a:xfrm>
+            <a:off x="7207508" y="5724763"/>
+            <a:ext cx="215265" cy="354568"/>
+          </a:xfrm>
+          <a:prstGeom prst="rect">
+            <a:avLst/>
+          </a:prstGeom>
+          <a:noFill/>
+          <a:ln/>
+        </p:spPr>
+        <p:txBody>
+          <a:bodyPr wrap="none" rtlCol="0" anchor="t"/>
+          <a:lstStyle/>
+          <a:p>
+            <a:pPr marL="0" indent="0" algn="ctr">
+              <a:lnSpc>
+                <a:spcPts val="2792"/>
+              </a:lnSpc>
+              <a:buNone/>
+            </a:pPr>
+            <a:r>
+              <a:rPr lang="en-US" sz="2792" dirty="0">
+                <a:solidFill>
+                  <a:srgbClr val="C7CDD6"/>
+                </a:solidFill>
+                <a:latin typeface="Instrument Sans" pitchFamily="34" charset="0"/>
+                <a:ea typeface="Instrument Sans" pitchFamily="34" charset="-122"/>
+                <a:cs typeface="Instrument Sans" pitchFamily="34" charset="-120"/>
+              </a:rPr>
+              <a:t>4</a:t>
+            </a:r>
+            <a:endParaRPr lang="en-US" sz="2792" dirty="0"/>
+          </a:p>
+        </p:txBody>
+      </p:sp>
+      <p:sp>
+        <p:nvSpPr>
+          <p:cNvPr id="24" name="Text 22"/>
+          <p:cNvSpPr/>
+          <p:nvPr/>
+        </p:nvSpPr>
+        <p:spPr>
+          <a:xfrm>
+            <a:off x="8615243" y="5606653"/>
+            <a:ext cx="4033004" cy="443151"/>
+          </a:xfrm>
+          <a:prstGeom prst="rect">
+            <a:avLst/>
+          </a:prstGeom>
+          <a:noFill/>
+          <a:ln/>
+        </p:spPr>
+        <p:txBody>
+          <a:bodyPr wrap="none" rtlCol="0" anchor="t"/>
+          <a:lstStyle/>
+          <a:p>
+            <a:pPr marL="0" indent="0" algn="l">
+              <a:lnSpc>
+                <a:spcPts val="3490"/>
+              </a:lnSpc>
+              <a:buNone/>
+            </a:pPr>
+            <a:r>
+              <a:rPr lang="en-US" sz="2792" dirty="0">
+                <a:solidFill>
+                  <a:srgbClr val="C7CDD6"/>
+                </a:solidFill>
+                <a:latin typeface="Instrument Sans" pitchFamily="34" charset="0"/>
+                <a:ea typeface="Instrument Sans" pitchFamily="34" charset="-122"/>
+                <a:cs typeface="Instrument Sans" pitchFamily="34" charset="-120"/>
+              </a:rPr>
+              <a:t>Testing and Deployment</a:t>
+            </a:r>
+            <a:endParaRPr lang="en-US" sz="2792" dirty="0"/>
+          </a:p>
+        </p:txBody>
+      </p:sp>
+      <p:sp>
+        <p:nvSpPr>
+          <p:cNvPr id="25" name="Text 23"/>
+          <p:cNvSpPr/>
+          <p:nvPr/>
+        </p:nvSpPr>
+        <p:spPr>
+          <a:xfrm>
+            <a:off x="8615243" y="6191607"/>
+            <a:ext cx="5156121" cy="738664"/>
+          </a:xfrm>
+          <a:prstGeom prst="rect">
+            <a:avLst/>
+          </a:prstGeom>
+          <a:noFill/>
+          <a:ln/>
+        </p:spPr>
+        <p:txBody>
+          <a:bodyPr wrap="square" rtlCol="0" anchor="t"/>
+          <a:lstStyle/>
+          <a:p>
+            <a:pPr marL="0" indent="0" algn="l">
+              <a:lnSpc>
+                <a:spcPts val="2908"/>
+              </a:lnSpc>
+              <a:buNone/>
+            </a:pPr>
+            <a:r>
+              <a:rPr lang="en-US" sz="2327" dirty="0">
+                <a:solidFill>
+                  <a:srgbClr val="C7CDD6"/>
+                </a:solidFill>
+                <a:latin typeface="Instrument Sans" pitchFamily="34" charset="0"/>
+                <a:ea typeface="Instrument Sans" pitchFamily="34" charset="-122"/>
+                <a:cs typeface="Instrument Sans" pitchFamily="34" charset="-120"/>
+              </a:rPr>
+              <a:t>Conduct testing and deploy using platforms like Heroku or AWS.</a:t>
+            </a:r>
+            <a:endParaRPr lang="en-US" sz="2327" dirty="0"/>
           </a:p>
         </p:txBody>
       </p:sp>
@@ -4775,750 +5267,30 @@
           <a:ln/>
         </p:spPr>
       </p:sp>
-      <p:sp>
-        <p:nvSpPr>
-          <p:cNvPr id="4" name="Text 2"/>
-          <p:cNvSpPr/>
-          <p:nvPr/>
-        </p:nvSpPr>
-        <p:spPr>
-          <a:xfrm>
-            <a:off x="859036" y="720090"/>
-            <a:ext cx="6047423" cy="738545"/>
-          </a:xfrm>
-          <a:prstGeom prst="rect">
-            <a:avLst/>
-          </a:prstGeom>
-          <a:noFill/>
-          <a:ln/>
-        </p:spPr>
-        <p:txBody>
-          <a:bodyPr wrap="none" rtlCol="0" anchor="t"/>
-          <a:lstStyle/>
-          <a:p>
-            <a:pPr marL="0" indent="0">
-              <a:lnSpc>
-                <a:spcPts val="5816"/>
-              </a:lnSpc>
-              <a:buNone/>
-            </a:pPr>
-            <a:r>
-              <a:rPr lang="en-US" sz="4653" dirty="0">
-                <a:solidFill>
-                  <a:srgbClr val="EFD5FA"/>
-                </a:solidFill>
-                <a:latin typeface="Instrument Sans" pitchFamily="34" charset="0"/>
-                <a:ea typeface="Instrument Sans" pitchFamily="34" charset="-122"/>
-                <a:cs typeface="Instrument Sans" pitchFamily="34" charset="-120"/>
-              </a:rPr>
-              <a:t>Development Process</a:t>
-            </a:r>
-            <a:endParaRPr lang="en-US" sz="4653" dirty="0"/>
-          </a:p>
-        </p:txBody>
-      </p:sp>
-      <p:sp>
-        <p:nvSpPr>
-          <p:cNvPr id="5" name="Shape 3"/>
-          <p:cNvSpPr/>
-          <p:nvPr/>
-        </p:nvSpPr>
-        <p:spPr>
-          <a:xfrm>
-            <a:off x="7299960" y="1813203"/>
-            <a:ext cx="30480" cy="5696188"/>
-          </a:xfrm>
-          <a:prstGeom prst="roundRect">
-            <a:avLst>
-              <a:gd name="adj" fmla="val 116330"/>
-            </a:avLst>
-          </a:prstGeom>
-          <a:solidFill>
-            <a:srgbClr val="5C5C61"/>
-          </a:solidFill>
-          <a:ln/>
-        </p:spPr>
-      </p:sp>
-      <p:sp>
-        <p:nvSpPr>
-          <p:cNvPr id="6" name="Shape 4"/>
-          <p:cNvSpPr/>
-          <p:nvPr/>
-        </p:nvSpPr>
-        <p:spPr>
-          <a:xfrm>
-            <a:off x="6252508" y="2329696"/>
-            <a:ext cx="827246" cy="30480"/>
-          </a:xfrm>
-          <a:prstGeom prst="roundRect">
-            <a:avLst>
-              <a:gd name="adj" fmla="val 116330"/>
-            </a:avLst>
-          </a:prstGeom>
-          <a:solidFill>
-            <a:srgbClr val="5C5C61"/>
-          </a:solidFill>
-          <a:ln/>
-        </p:spPr>
-      </p:sp>
-      <p:sp>
-        <p:nvSpPr>
-          <p:cNvPr id="7" name="Shape 5"/>
-          <p:cNvSpPr/>
-          <p:nvPr/>
-        </p:nvSpPr>
-        <p:spPr>
-          <a:xfrm>
-            <a:off x="7049274" y="2079069"/>
-            <a:ext cx="531852" cy="531852"/>
-          </a:xfrm>
-          <a:prstGeom prst="roundRect">
-            <a:avLst>
-              <a:gd name="adj" fmla="val 6667"/>
-            </a:avLst>
-          </a:prstGeom>
-          <a:solidFill>
-            <a:srgbClr val="434348"/>
-          </a:solidFill>
-          <a:ln/>
-        </p:spPr>
-      </p:sp>
-      <p:sp>
-        <p:nvSpPr>
-          <p:cNvPr id="8" name="Text 6"/>
-          <p:cNvSpPr/>
-          <p:nvPr/>
-        </p:nvSpPr>
-        <p:spPr>
-          <a:xfrm>
-            <a:off x="7246203" y="2167652"/>
-            <a:ext cx="137993" cy="354568"/>
-          </a:xfrm>
-          <a:prstGeom prst="rect">
-            <a:avLst/>
-          </a:prstGeom>
-          <a:noFill/>
-          <a:ln/>
-        </p:spPr>
-        <p:txBody>
-          <a:bodyPr wrap="none" rtlCol="0" anchor="t"/>
-          <a:lstStyle/>
-          <a:p>
-            <a:pPr marL="0" indent="0" algn="ctr">
-              <a:lnSpc>
-                <a:spcPts val="2792"/>
-              </a:lnSpc>
-              <a:buNone/>
-            </a:pPr>
-            <a:r>
-              <a:rPr lang="en-US" sz="2792" dirty="0">
-                <a:solidFill>
-                  <a:srgbClr val="C7CDD6"/>
-                </a:solidFill>
-                <a:latin typeface="Instrument Sans" pitchFamily="34" charset="0"/>
-                <a:ea typeface="Instrument Sans" pitchFamily="34" charset="-122"/>
-                <a:cs typeface="Instrument Sans" pitchFamily="34" charset="-120"/>
-              </a:rPr>
-              <a:t>1</a:t>
-            </a:r>
-            <a:endParaRPr lang="en-US" sz="2792" dirty="0"/>
-          </a:p>
-        </p:txBody>
-      </p:sp>
-      <p:sp>
-        <p:nvSpPr>
-          <p:cNvPr id="9" name="Text 7"/>
-          <p:cNvSpPr/>
-          <p:nvPr/>
-        </p:nvSpPr>
-        <p:spPr>
-          <a:xfrm>
-            <a:off x="2469475" y="2049542"/>
-            <a:ext cx="3545681" cy="443151"/>
-          </a:xfrm>
-          <a:prstGeom prst="rect">
-            <a:avLst/>
-          </a:prstGeom>
-          <a:noFill/>
-          <a:ln/>
-        </p:spPr>
-        <p:txBody>
-          <a:bodyPr wrap="none" rtlCol="0" anchor="t"/>
-          <a:lstStyle/>
-          <a:p>
-            <a:pPr marL="0" indent="0" algn="r">
-              <a:lnSpc>
-                <a:spcPts val="3490"/>
-              </a:lnSpc>
-              <a:buNone/>
-            </a:pPr>
-            <a:r>
-              <a:rPr lang="en-US" sz="2792" dirty="0">
-                <a:solidFill>
-                  <a:srgbClr val="C7CDD6"/>
-                </a:solidFill>
-                <a:latin typeface="Instrument Sans" pitchFamily="34" charset="0"/>
-                <a:ea typeface="Instrument Sans" pitchFamily="34" charset="-122"/>
-                <a:cs typeface="Instrument Sans" pitchFamily="34" charset="-120"/>
-              </a:rPr>
-              <a:t>Planning and Design</a:t>
-            </a:r>
-            <a:endParaRPr lang="en-US" sz="2792" dirty="0"/>
-          </a:p>
-        </p:txBody>
-      </p:sp>
-      <p:sp>
-        <p:nvSpPr>
-          <p:cNvPr id="10" name="Text 8"/>
-          <p:cNvSpPr/>
-          <p:nvPr/>
-        </p:nvSpPr>
-        <p:spPr>
-          <a:xfrm>
-            <a:off x="859036" y="2634496"/>
-            <a:ext cx="5156121" cy="738664"/>
-          </a:xfrm>
-          <a:prstGeom prst="rect">
-            <a:avLst/>
-          </a:prstGeom>
-          <a:noFill/>
-          <a:ln/>
-        </p:spPr>
-        <p:txBody>
-          <a:bodyPr wrap="square" rtlCol="0" anchor="t"/>
-          <a:lstStyle/>
-          <a:p>
-            <a:pPr marL="0" indent="0" algn="r">
-              <a:lnSpc>
-                <a:spcPts val="2908"/>
-              </a:lnSpc>
-              <a:buNone/>
-            </a:pPr>
-            <a:r>
-              <a:rPr lang="en-US" sz="2327" dirty="0">
-                <a:solidFill>
-                  <a:srgbClr val="C7CDD6"/>
-                </a:solidFill>
-                <a:latin typeface="Instrument Sans" pitchFamily="34" charset="0"/>
-                <a:ea typeface="Instrument Sans" pitchFamily="34" charset="-122"/>
-                <a:cs typeface="Instrument Sans" pitchFamily="34" charset="-120"/>
-              </a:rPr>
-              <a:t>Define features and create wireframes and database schema.</a:t>
-            </a:r>
-            <a:endParaRPr lang="en-US" sz="2327" dirty="0"/>
-          </a:p>
-        </p:txBody>
-      </p:sp>
-      <p:sp>
-        <p:nvSpPr>
-          <p:cNvPr id="11" name="Shape 9"/>
-          <p:cNvSpPr/>
-          <p:nvPr/>
-        </p:nvSpPr>
-        <p:spPr>
-          <a:xfrm>
-            <a:off x="7550646" y="3511510"/>
-            <a:ext cx="827246" cy="30480"/>
-          </a:xfrm>
-          <a:prstGeom prst="roundRect">
-            <a:avLst>
-              <a:gd name="adj" fmla="val 116330"/>
-            </a:avLst>
-          </a:prstGeom>
-          <a:solidFill>
-            <a:srgbClr val="5C5C61"/>
-          </a:solidFill>
-          <a:ln/>
-        </p:spPr>
-      </p:sp>
-      <p:sp>
-        <p:nvSpPr>
-          <p:cNvPr id="12" name="Shape 10"/>
-          <p:cNvSpPr/>
-          <p:nvPr/>
-        </p:nvSpPr>
-        <p:spPr>
-          <a:xfrm>
-            <a:off x="7049274" y="3260884"/>
-            <a:ext cx="531852" cy="531852"/>
-          </a:xfrm>
-          <a:prstGeom prst="roundRect">
-            <a:avLst>
-              <a:gd name="adj" fmla="val 6667"/>
-            </a:avLst>
-          </a:prstGeom>
-          <a:solidFill>
-            <a:srgbClr val="434348"/>
-          </a:solidFill>
-          <a:ln/>
-        </p:spPr>
-      </p:sp>
-      <p:sp>
-        <p:nvSpPr>
-          <p:cNvPr id="13" name="Text 11"/>
-          <p:cNvSpPr/>
-          <p:nvPr/>
-        </p:nvSpPr>
-        <p:spPr>
-          <a:xfrm>
-            <a:off x="7217509" y="3349466"/>
-            <a:ext cx="195382" cy="354568"/>
-          </a:xfrm>
-          <a:prstGeom prst="rect">
-            <a:avLst/>
-          </a:prstGeom>
-          <a:noFill/>
-          <a:ln/>
-        </p:spPr>
-        <p:txBody>
-          <a:bodyPr wrap="none" rtlCol="0" anchor="t"/>
-          <a:lstStyle/>
-          <a:p>
-            <a:pPr marL="0" indent="0" algn="ctr">
-              <a:lnSpc>
-                <a:spcPts val="2792"/>
-              </a:lnSpc>
-              <a:buNone/>
-            </a:pPr>
-            <a:r>
-              <a:rPr lang="en-US" sz="2792" dirty="0">
-                <a:solidFill>
-                  <a:srgbClr val="C7CDD6"/>
-                </a:solidFill>
-                <a:latin typeface="Instrument Sans" pitchFamily="34" charset="0"/>
-                <a:ea typeface="Instrument Sans" pitchFamily="34" charset="-122"/>
-                <a:cs typeface="Instrument Sans" pitchFamily="34" charset="-120"/>
-              </a:rPr>
-              <a:t>2</a:t>
-            </a:r>
-            <a:endParaRPr lang="en-US" sz="2792" dirty="0"/>
-          </a:p>
-        </p:txBody>
-      </p:sp>
-      <p:sp>
-        <p:nvSpPr>
-          <p:cNvPr id="14" name="Text 12"/>
-          <p:cNvSpPr/>
-          <p:nvPr/>
-        </p:nvSpPr>
-        <p:spPr>
-          <a:xfrm>
-            <a:off x="8615243" y="3231356"/>
-            <a:ext cx="3735229" cy="443151"/>
-          </a:xfrm>
-          <a:prstGeom prst="rect">
-            <a:avLst/>
-          </a:prstGeom>
-          <a:noFill/>
-          <a:ln/>
-        </p:spPr>
-        <p:txBody>
-          <a:bodyPr wrap="none" rtlCol="0" anchor="t"/>
-          <a:lstStyle/>
-          <a:p>
-            <a:pPr marL="0" indent="0" algn="l">
-              <a:lnSpc>
-                <a:spcPts val="3490"/>
-              </a:lnSpc>
-              <a:buNone/>
-            </a:pPr>
-            <a:r>
-              <a:rPr lang="en-US" sz="2792" dirty="0">
-                <a:solidFill>
-                  <a:srgbClr val="C7CDD6"/>
-                </a:solidFill>
-                <a:latin typeface="Instrument Sans" pitchFamily="34" charset="0"/>
-                <a:ea typeface="Instrument Sans" pitchFamily="34" charset="-122"/>
-                <a:cs typeface="Instrument Sans" pitchFamily="34" charset="-120"/>
-              </a:rPr>
-              <a:t>Backend Development</a:t>
-            </a:r>
-            <a:endParaRPr lang="en-US" sz="2792" dirty="0"/>
-          </a:p>
-        </p:txBody>
-      </p:sp>
-      <p:sp>
-        <p:nvSpPr>
-          <p:cNvPr id="15" name="Text 13"/>
-          <p:cNvSpPr/>
-          <p:nvPr/>
-        </p:nvSpPr>
-        <p:spPr>
-          <a:xfrm>
-            <a:off x="8615243" y="3816310"/>
-            <a:ext cx="5156121" cy="738664"/>
-          </a:xfrm>
-          <a:prstGeom prst="rect">
-            <a:avLst/>
-          </a:prstGeom>
-          <a:noFill/>
-          <a:ln/>
-        </p:spPr>
-        <p:txBody>
-          <a:bodyPr wrap="square" rtlCol="0" anchor="t"/>
-          <a:lstStyle/>
-          <a:p>
-            <a:pPr marL="0" indent="0" algn="l">
-              <a:lnSpc>
-                <a:spcPts val="2908"/>
-              </a:lnSpc>
-              <a:buNone/>
-            </a:pPr>
-            <a:r>
-              <a:rPr lang="en-US" sz="2327" dirty="0">
-                <a:solidFill>
-                  <a:srgbClr val="C7CDD6"/>
-                </a:solidFill>
-                <a:latin typeface="Instrument Sans" pitchFamily="34" charset="0"/>
-                <a:ea typeface="Instrument Sans" pitchFamily="34" charset="-122"/>
-                <a:cs typeface="Instrument Sans" pitchFamily="34" charset="-120"/>
-              </a:rPr>
-              <a:t>Set up Node.js server, develop APIs, and integrate WebRTC and Socket.io.</a:t>
-            </a:r>
-            <a:endParaRPr lang="en-US" sz="2327" dirty="0"/>
-          </a:p>
-        </p:txBody>
-      </p:sp>
-      <p:sp>
-        <p:nvSpPr>
-          <p:cNvPr id="16" name="Shape 14"/>
-          <p:cNvSpPr/>
-          <p:nvPr/>
-        </p:nvSpPr>
-        <p:spPr>
-          <a:xfrm>
-            <a:off x="6252508" y="4575096"/>
-            <a:ext cx="827246" cy="30480"/>
-          </a:xfrm>
-          <a:prstGeom prst="roundRect">
-            <a:avLst>
-              <a:gd name="adj" fmla="val 116330"/>
-            </a:avLst>
-          </a:prstGeom>
-          <a:solidFill>
-            <a:srgbClr val="5C5C61"/>
-          </a:solidFill>
-          <a:ln/>
-        </p:spPr>
-      </p:sp>
-      <p:sp>
-        <p:nvSpPr>
-          <p:cNvPr id="17" name="Shape 15"/>
-          <p:cNvSpPr/>
-          <p:nvPr/>
-        </p:nvSpPr>
-        <p:spPr>
-          <a:xfrm>
-            <a:off x="7049274" y="4324469"/>
-            <a:ext cx="531852" cy="531852"/>
-          </a:xfrm>
-          <a:prstGeom prst="roundRect">
-            <a:avLst>
-              <a:gd name="adj" fmla="val 6667"/>
-            </a:avLst>
-          </a:prstGeom>
-          <a:solidFill>
-            <a:srgbClr val="434348"/>
-          </a:solidFill>
-          <a:ln/>
-        </p:spPr>
-      </p:sp>
-      <p:sp>
-        <p:nvSpPr>
-          <p:cNvPr id="18" name="Text 16"/>
-          <p:cNvSpPr/>
-          <p:nvPr/>
-        </p:nvSpPr>
-        <p:spPr>
-          <a:xfrm>
-            <a:off x="7212866" y="4413052"/>
-            <a:ext cx="204549" cy="354568"/>
-          </a:xfrm>
-          <a:prstGeom prst="rect">
-            <a:avLst/>
-          </a:prstGeom>
-          <a:noFill/>
-          <a:ln/>
-        </p:spPr>
-        <p:txBody>
-          <a:bodyPr wrap="none" rtlCol="0" anchor="t"/>
-          <a:lstStyle/>
-          <a:p>
-            <a:pPr marL="0" indent="0" algn="ctr">
-              <a:lnSpc>
-                <a:spcPts val="2792"/>
-              </a:lnSpc>
-              <a:buNone/>
-            </a:pPr>
-            <a:r>
-              <a:rPr lang="en-US" sz="2792" dirty="0">
-                <a:solidFill>
-                  <a:srgbClr val="C7CDD6"/>
-                </a:solidFill>
-                <a:latin typeface="Instrument Sans" pitchFamily="34" charset="0"/>
-                <a:ea typeface="Instrument Sans" pitchFamily="34" charset="-122"/>
-                <a:cs typeface="Instrument Sans" pitchFamily="34" charset="-120"/>
-              </a:rPr>
-              <a:t>3</a:t>
-            </a:r>
-            <a:endParaRPr lang="en-US" sz="2792" dirty="0"/>
-          </a:p>
-        </p:txBody>
-      </p:sp>
-      <p:sp>
-        <p:nvSpPr>
-          <p:cNvPr id="19" name="Text 17"/>
-          <p:cNvSpPr/>
-          <p:nvPr/>
-        </p:nvSpPr>
-        <p:spPr>
-          <a:xfrm>
-            <a:off x="2172891" y="4294942"/>
-            <a:ext cx="3842266" cy="443151"/>
-          </a:xfrm>
-          <a:prstGeom prst="rect">
-            <a:avLst/>
-          </a:prstGeom>
-          <a:noFill/>
-          <a:ln/>
-        </p:spPr>
-        <p:txBody>
-          <a:bodyPr wrap="none" rtlCol="0" anchor="t"/>
-          <a:lstStyle/>
-          <a:p>
-            <a:pPr marL="0" indent="0" algn="r">
-              <a:lnSpc>
-                <a:spcPts val="3490"/>
-              </a:lnSpc>
-              <a:buNone/>
-            </a:pPr>
-            <a:r>
-              <a:rPr lang="en-US" sz="2792" dirty="0">
-                <a:solidFill>
-                  <a:srgbClr val="C7CDD6"/>
-                </a:solidFill>
-                <a:latin typeface="Instrument Sans" pitchFamily="34" charset="0"/>
-                <a:ea typeface="Instrument Sans" pitchFamily="34" charset="-122"/>
-                <a:cs typeface="Instrument Sans" pitchFamily="34" charset="-120"/>
-              </a:rPr>
-              <a:t>Frontend Development</a:t>
-            </a:r>
-            <a:endParaRPr lang="en-US" sz="2792" dirty="0"/>
-          </a:p>
-        </p:txBody>
-      </p:sp>
-      <p:sp>
-        <p:nvSpPr>
-          <p:cNvPr id="20" name="Text 18"/>
-          <p:cNvSpPr/>
-          <p:nvPr/>
-        </p:nvSpPr>
-        <p:spPr>
-          <a:xfrm>
-            <a:off x="859036" y="4879896"/>
-            <a:ext cx="5156121" cy="1329452"/>
-          </a:xfrm>
-          <a:prstGeom prst="rect">
-            <a:avLst/>
-          </a:prstGeom>
-          <a:noFill/>
-          <a:ln/>
-        </p:spPr>
-        <p:txBody>
-          <a:bodyPr wrap="square" rtlCol="0" anchor="t"/>
-          <a:lstStyle/>
-          <a:p>
-            <a:pPr marL="0" indent="0" algn="r">
-              <a:lnSpc>
-                <a:spcPts val="3490"/>
-              </a:lnSpc>
-              <a:buNone/>
-            </a:pPr>
-            <a:r>
-              <a:rPr lang="en-US" sz="2792" dirty="0">
-                <a:solidFill>
-                  <a:srgbClr val="C7CDD6"/>
-                </a:solidFill>
-                <a:latin typeface="Instrument Sans" pitchFamily="34" charset="0"/>
-                <a:ea typeface="Instrument Sans" pitchFamily="34" charset="-122"/>
-                <a:cs typeface="Instrument Sans" pitchFamily="34" charset="-120"/>
-              </a:rPr>
-              <a:t>Build React components for each feature and integrate with backend APIs.</a:t>
-            </a:r>
-            <a:endParaRPr lang="en-US" sz="2792" dirty="0"/>
-          </a:p>
-        </p:txBody>
-      </p:sp>
-      <p:sp>
-        <p:nvSpPr>
-          <p:cNvPr id="21" name="Shape 19"/>
-          <p:cNvSpPr/>
-          <p:nvPr/>
-        </p:nvSpPr>
-        <p:spPr>
-          <a:xfrm>
-            <a:off x="7550646" y="5886807"/>
-            <a:ext cx="827246" cy="30480"/>
-          </a:xfrm>
-          <a:prstGeom prst="roundRect">
-            <a:avLst>
-              <a:gd name="adj" fmla="val 116330"/>
-            </a:avLst>
-          </a:prstGeom>
-          <a:solidFill>
-            <a:srgbClr val="5C5C61"/>
-          </a:solidFill>
-          <a:ln/>
-        </p:spPr>
-      </p:sp>
-      <p:sp>
-        <p:nvSpPr>
-          <p:cNvPr id="22" name="Shape 20"/>
-          <p:cNvSpPr/>
-          <p:nvPr/>
-        </p:nvSpPr>
-        <p:spPr>
-          <a:xfrm>
-            <a:off x="7049274" y="5636181"/>
-            <a:ext cx="531852" cy="531852"/>
-          </a:xfrm>
-          <a:prstGeom prst="roundRect">
-            <a:avLst>
-              <a:gd name="adj" fmla="val 6667"/>
-            </a:avLst>
-          </a:prstGeom>
-          <a:solidFill>
-            <a:srgbClr val="434348"/>
-          </a:solidFill>
-          <a:ln/>
-        </p:spPr>
-      </p:sp>
-      <p:sp>
-        <p:nvSpPr>
-          <p:cNvPr id="23" name="Text 21"/>
-          <p:cNvSpPr/>
-          <p:nvPr/>
-        </p:nvSpPr>
-        <p:spPr>
-          <a:xfrm>
-            <a:off x="7207508" y="5724763"/>
-            <a:ext cx="215265" cy="354568"/>
-          </a:xfrm>
-          <a:prstGeom prst="rect">
-            <a:avLst/>
-          </a:prstGeom>
-          <a:noFill/>
-          <a:ln/>
-        </p:spPr>
-        <p:txBody>
-          <a:bodyPr wrap="none" rtlCol="0" anchor="t"/>
-          <a:lstStyle/>
-          <a:p>
-            <a:pPr marL="0" indent="0" algn="ctr">
-              <a:lnSpc>
-                <a:spcPts val="2792"/>
-              </a:lnSpc>
-              <a:buNone/>
-            </a:pPr>
-            <a:r>
-              <a:rPr lang="en-US" sz="2792" dirty="0">
-                <a:solidFill>
-                  <a:srgbClr val="C7CDD6"/>
-                </a:solidFill>
-                <a:latin typeface="Instrument Sans" pitchFamily="34" charset="0"/>
-                <a:ea typeface="Instrument Sans" pitchFamily="34" charset="-122"/>
-                <a:cs typeface="Instrument Sans" pitchFamily="34" charset="-120"/>
-              </a:rPr>
-              <a:t>4</a:t>
-            </a:r>
-            <a:endParaRPr lang="en-US" sz="2792" dirty="0"/>
-          </a:p>
-        </p:txBody>
-      </p:sp>
-      <p:sp>
-        <p:nvSpPr>
-          <p:cNvPr id="24" name="Text 22"/>
-          <p:cNvSpPr/>
-          <p:nvPr/>
-        </p:nvSpPr>
-        <p:spPr>
-          <a:xfrm>
-            <a:off x="8615243" y="5606653"/>
-            <a:ext cx="4033004" cy="443151"/>
-          </a:xfrm>
-          <a:prstGeom prst="rect">
-            <a:avLst/>
-          </a:prstGeom>
-          <a:noFill/>
-          <a:ln/>
-        </p:spPr>
-        <p:txBody>
-          <a:bodyPr wrap="none" rtlCol="0" anchor="t"/>
-          <a:lstStyle/>
-          <a:p>
-            <a:pPr marL="0" indent="0" algn="l">
-              <a:lnSpc>
-                <a:spcPts val="3490"/>
-              </a:lnSpc>
-              <a:buNone/>
-            </a:pPr>
-            <a:r>
-              <a:rPr lang="en-US" sz="2792" dirty="0">
-                <a:solidFill>
-                  <a:srgbClr val="C7CDD6"/>
-                </a:solidFill>
-                <a:latin typeface="Instrument Sans" pitchFamily="34" charset="0"/>
-                <a:ea typeface="Instrument Sans" pitchFamily="34" charset="-122"/>
-                <a:cs typeface="Instrument Sans" pitchFamily="34" charset="-120"/>
-              </a:rPr>
-              <a:t>Testing and Deployment</a:t>
-            </a:r>
-            <a:endParaRPr lang="en-US" sz="2792" dirty="0"/>
-          </a:p>
-        </p:txBody>
-      </p:sp>
-      <p:sp>
-        <p:nvSpPr>
-          <p:cNvPr id="25" name="Text 23"/>
-          <p:cNvSpPr/>
-          <p:nvPr/>
-        </p:nvSpPr>
-        <p:spPr>
-          <a:xfrm>
-            <a:off x="8615243" y="6191607"/>
-            <a:ext cx="5156121" cy="738664"/>
-          </a:xfrm>
-          <a:prstGeom prst="rect">
-            <a:avLst/>
-          </a:prstGeom>
-          <a:noFill/>
-          <a:ln/>
-        </p:spPr>
-        <p:txBody>
-          <a:bodyPr wrap="square" rtlCol="0" anchor="t"/>
-          <a:lstStyle/>
-          <a:p>
-            <a:pPr marL="0" indent="0" algn="l">
-              <a:lnSpc>
-                <a:spcPts val="2908"/>
-              </a:lnSpc>
-              <a:buNone/>
-            </a:pPr>
-            <a:r>
-              <a:rPr lang="en-US" sz="2327" dirty="0">
-                <a:solidFill>
-                  <a:srgbClr val="C7CDD6"/>
-                </a:solidFill>
-                <a:latin typeface="Instrument Sans" pitchFamily="34" charset="0"/>
-                <a:ea typeface="Instrument Sans" pitchFamily="34" charset="-122"/>
-                <a:cs typeface="Instrument Sans" pitchFamily="34" charset="-120"/>
-              </a:rPr>
-              <a:t>Conduct testing and deploy using platforms like Heroku or AWS.</a:t>
-            </a:r>
-            <a:endParaRPr lang="en-US" sz="2327" dirty="0"/>
-          </a:p>
-        </p:txBody>
-      </p:sp>
+      <p:pic>
+        <p:nvPicPr>
+          <p:cNvPr id="4" name="Image 0" descr="preencoded.png"/>
+          <p:cNvPicPr>
+            <a:picLocks noChangeAspect="1"/>
+          </p:cNvPicPr>
+          <p:nvPr/>
+        </p:nvPicPr>
+        <p:blipFill>
+          <a:blip r:embed="rId3"/>
+          <a:stretch>
+            <a:fillRect/>
+          </a:stretch>
+        </p:blipFill>
+        <p:spPr>
+          <a:xfrm>
+            <a:off x="864037" y="735568"/>
+            <a:ext cx="11638240" cy="6758464"/>
+          </a:xfrm>
+          <a:prstGeom prst="rect">
+            <a:avLst/>
+          </a:prstGeom>
+        </p:spPr>
+      </p:pic>
     </p:spTree>
   </p:cSld>
   <p:clrMapOvr>
@@ -5573,7 +5345,7 @@
         <p:spPr>
           <a:xfrm>
             <a:off x="0" y="0"/>
-            <a:ext cx="14630400" cy="8229957"/>
+            <a:ext cx="14630400" cy="8229600"/>
           </a:xfrm>
           <a:prstGeom prst="rect">
             <a:avLst/>
@@ -5583,52 +5355,10 @@
           </a:solidFill>
           <a:ln/>
         </p:spPr>
-      </p:sp>
-      <p:sp>
-        <p:nvSpPr>
-          <p:cNvPr id="4" name="Text 2"/>
-          <p:cNvSpPr/>
-          <p:nvPr/>
-        </p:nvSpPr>
-        <p:spPr>
-          <a:xfrm>
-            <a:off x="836176" y="656987"/>
-            <a:ext cx="5973008" cy="746641"/>
-          </a:xfrm>
-          <a:prstGeom prst="rect">
-            <a:avLst/>
-          </a:prstGeom>
-          <a:noFill/>
-          <a:ln/>
-        </p:spPr>
-        <p:txBody>
-          <a:bodyPr wrap="none" rtlCol="0" anchor="t"/>
-          <a:lstStyle/>
-          <a:p>
-            <a:pPr marL="0" indent="0">
-              <a:lnSpc>
-                <a:spcPts val="5879"/>
-              </a:lnSpc>
-              <a:buNone/>
-            </a:pPr>
-            <a:r>
-              <a:rPr lang="en-US" sz="4703" dirty="0">
-                <a:solidFill>
-                  <a:srgbClr val="EFD5FA"/>
-                </a:solidFill>
-                <a:latin typeface="Instrument Sans" pitchFamily="34" charset="0"/>
-                <a:ea typeface="Instrument Sans" pitchFamily="34" charset="-122"/>
-                <a:cs typeface="Instrument Sans" pitchFamily="34" charset="-120"/>
-              </a:rPr>
-              <a:t>Target Markets</a:t>
-            </a:r>
-            <a:endParaRPr lang="en-US" sz="4703" dirty="0"/>
-          </a:p>
-        </p:txBody>
       </p:sp>
       <p:pic>
         <p:nvPicPr>
-          <p:cNvPr id="5" name="Image 0" descr="preencoded.png"/>
+          <p:cNvPr id="4" name="Image 0" descr="preencoded.png"/>
           <p:cNvPicPr>
             <a:picLocks noChangeAspect="1"/>
           </p:cNvPicPr>
@@ -5642,422 +5372,14 @@
         </p:blipFill>
         <p:spPr>
           <a:xfrm>
-            <a:off x="836176" y="1762006"/>
-            <a:ext cx="597218" cy="597218"/>
+            <a:off x="864037" y="735568"/>
+            <a:ext cx="11281291" cy="6758464"/>
           </a:xfrm>
           <a:prstGeom prst="rect">
             <a:avLst/>
           </a:prstGeom>
         </p:spPr>
       </p:pic>
-      <p:sp>
-        <p:nvSpPr>
-          <p:cNvPr id="6" name="Text 3"/>
-          <p:cNvSpPr/>
-          <p:nvPr/>
-        </p:nvSpPr>
-        <p:spPr>
-          <a:xfrm>
-            <a:off x="836176" y="2598063"/>
-            <a:ext cx="3583781" cy="447913"/>
-          </a:xfrm>
-          <a:prstGeom prst="rect">
-            <a:avLst/>
-          </a:prstGeom>
-          <a:noFill/>
-          <a:ln/>
-        </p:spPr>
-        <p:txBody>
-          <a:bodyPr wrap="none" rtlCol="0" anchor="t"/>
-          <a:lstStyle/>
-          <a:p>
-            <a:pPr marL="0" indent="0" algn="l">
-              <a:lnSpc>
-                <a:spcPts val="3527"/>
-              </a:lnSpc>
-              <a:buNone/>
-            </a:pPr>
-            <a:r>
-              <a:rPr lang="en-US" sz="2822" dirty="0">
-                <a:solidFill>
-                  <a:srgbClr val="C7CDD6"/>
-                </a:solidFill>
-                <a:latin typeface="Instrument Sans" pitchFamily="34" charset="0"/>
-                <a:ea typeface="Instrument Sans" pitchFamily="34" charset="-122"/>
-                <a:cs typeface="Instrument Sans" pitchFamily="34" charset="-120"/>
-              </a:rPr>
-              <a:t>Event Organizers</a:t>
-            </a:r>
-            <a:endParaRPr lang="en-US" sz="2822" dirty="0"/>
-          </a:p>
-        </p:txBody>
-      </p:sp>
-      <p:sp>
-        <p:nvSpPr>
-          <p:cNvPr id="7" name="Text 4"/>
-          <p:cNvSpPr/>
-          <p:nvPr/>
-        </p:nvSpPr>
-        <p:spPr>
-          <a:xfrm>
-            <a:off x="836176" y="3189327"/>
-            <a:ext cx="6299835" cy="1119783"/>
-          </a:xfrm>
-          <a:prstGeom prst="rect">
-            <a:avLst/>
-          </a:prstGeom>
-          <a:noFill/>
-          <a:ln/>
-        </p:spPr>
-        <p:txBody>
-          <a:bodyPr wrap="square" rtlCol="0" anchor="t"/>
-          <a:lstStyle/>
-          <a:p>
-            <a:pPr marL="0" indent="0" algn="l">
-              <a:lnSpc>
-                <a:spcPts val="2940"/>
-              </a:lnSpc>
-              <a:buNone/>
-            </a:pPr>
-            <a:r>
-              <a:rPr lang="en-US" sz="2352" dirty="0">
-                <a:solidFill>
-                  <a:srgbClr val="C7CDD6"/>
-                </a:solidFill>
-                <a:latin typeface="Instrument Sans" pitchFamily="34" charset="0"/>
-                <a:ea typeface="Instrument Sans" pitchFamily="34" charset="-122"/>
-                <a:cs typeface="Instrument Sans" pitchFamily="34" charset="-120"/>
-              </a:rPr>
-              <a:t>Event organizers can use EventConnect to manage their events, from registration to live streaming.</a:t>
-            </a:r>
-            <a:endParaRPr lang="en-US" sz="2352" dirty="0"/>
-          </a:p>
-        </p:txBody>
-      </p:sp>
-      <p:pic>
-        <p:nvPicPr>
-          <p:cNvPr id="8" name="Image 1" descr="preencoded.png"/>
-          <p:cNvPicPr>
-            <a:picLocks noChangeAspect="1"/>
-          </p:cNvPicPr>
-          <p:nvPr/>
-        </p:nvPicPr>
-        <p:blipFill>
-          <a:blip r:embed="rId4"/>
-          <a:stretch>
-            <a:fillRect/>
-          </a:stretch>
-        </p:blipFill>
-        <p:spPr>
-          <a:xfrm>
-            <a:off x="7494389" y="1762006"/>
-            <a:ext cx="597218" cy="597218"/>
-          </a:xfrm>
-          <a:prstGeom prst="rect">
-            <a:avLst/>
-          </a:prstGeom>
-        </p:spPr>
-      </p:pic>
-      <p:sp>
-        <p:nvSpPr>
-          <p:cNvPr id="9" name="Text 5"/>
-          <p:cNvSpPr/>
-          <p:nvPr/>
-        </p:nvSpPr>
-        <p:spPr>
-          <a:xfrm>
-            <a:off x="7494389" y="2598063"/>
-            <a:ext cx="3583781" cy="447913"/>
-          </a:xfrm>
-          <a:prstGeom prst="rect">
-            <a:avLst/>
-          </a:prstGeom>
-          <a:noFill/>
-          <a:ln/>
-        </p:spPr>
-        <p:txBody>
-          <a:bodyPr wrap="none" rtlCol="0" anchor="t"/>
-          <a:lstStyle/>
-          <a:p>
-            <a:pPr marL="0" indent="0" algn="l">
-              <a:lnSpc>
-                <a:spcPts val="3527"/>
-              </a:lnSpc>
-              <a:buNone/>
-            </a:pPr>
-            <a:r>
-              <a:rPr lang="en-US" sz="2822" dirty="0">
-                <a:solidFill>
-                  <a:srgbClr val="C7CDD6"/>
-                </a:solidFill>
-                <a:latin typeface="Instrument Sans" pitchFamily="34" charset="0"/>
-                <a:ea typeface="Instrument Sans" pitchFamily="34" charset="-122"/>
-                <a:cs typeface="Instrument Sans" pitchFamily="34" charset="-120"/>
-              </a:rPr>
-              <a:t>Businesses</a:t>
-            </a:r>
-            <a:endParaRPr lang="en-US" sz="2822" dirty="0"/>
-          </a:p>
-        </p:txBody>
-      </p:sp>
-      <p:sp>
-        <p:nvSpPr>
-          <p:cNvPr id="10" name="Text 6"/>
-          <p:cNvSpPr/>
-          <p:nvPr/>
-        </p:nvSpPr>
-        <p:spPr>
-          <a:xfrm>
-            <a:off x="7494389" y="3189327"/>
-            <a:ext cx="6299835" cy="746522"/>
-          </a:xfrm>
-          <a:prstGeom prst="rect">
-            <a:avLst/>
-          </a:prstGeom>
-          <a:noFill/>
-          <a:ln/>
-        </p:spPr>
-        <p:txBody>
-          <a:bodyPr wrap="square" rtlCol="0" anchor="t"/>
-          <a:lstStyle/>
-          <a:p>
-            <a:pPr marL="0" indent="0" algn="l">
-              <a:lnSpc>
-                <a:spcPts val="2940"/>
-              </a:lnSpc>
-              <a:buNone/>
-            </a:pPr>
-            <a:r>
-              <a:rPr lang="en-US" sz="2352" dirty="0">
-                <a:solidFill>
-                  <a:srgbClr val="C7CDD6"/>
-                </a:solidFill>
-                <a:latin typeface="Instrument Sans" pitchFamily="34" charset="0"/>
-                <a:ea typeface="Instrument Sans" pitchFamily="34" charset="-122"/>
-                <a:cs typeface="Instrument Sans" pitchFamily="34" charset="-120"/>
-              </a:rPr>
-              <a:t>Businesses can use EventConnect to host webinars, conferences, and other events.</a:t>
-            </a:r>
-            <a:endParaRPr lang="en-US" sz="2352" dirty="0"/>
-          </a:p>
-        </p:txBody>
-      </p:sp>
-      <p:pic>
-        <p:nvPicPr>
-          <p:cNvPr id="11" name="Image 2" descr="preencoded.png"/>
-          <p:cNvPicPr>
-            <a:picLocks noChangeAspect="1"/>
-          </p:cNvPicPr>
-          <p:nvPr/>
-        </p:nvPicPr>
-        <p:blipFill>
-          <a:blip r:embed="rId5"/>
-          <a:stretch>
-            <a:fillRect/>
-          </a:stretch>
-        </p:blipFill>
-        <p:spPr>
-          <a:xfrm>
-            <a:off x="836176" y="5025866"/>
-            <a:ext cx="597218" cy="597218"/>
-          </a:xfrm>
-          <a:prstGeom prst="rect">
-            <a:avLst/>
-          </a:prstGeom>
-        </p:spPr>
-      </p:pic>
-      <p:sp>
-        <p:nvSpPr>
-          <p:cNvPr id="12" name="Text 7"/>
-          <p:cNvSpPr/>
-          <p:nvPr/>
-        </p:nvSpPr>
-        <p:spPr>
-          <a:xfrm>
-            <a:off x="836176" y="5861923"/>
-            <a:ext cx="3925848" cy="447913"/>
-          </a:xfrm>
-          <a:prstGeom prst="rect">
-            <a:avLst/>
-          </a:prstGeom>
-          <a:noFill/>
-          <a:ln/>
-        </p:spPr>
-        <p:txBody>
-          <a:bodyPr wrap="none" rtlCol="0" anchor="t"/>
-          <a:lstStyle/>
-          <a:p>
-            <a:pPr marL="0" indent="0" algn="l">
-              <a:lnSpc>
-                <a:spcPts val="3527"/>
-              </a:lnSpc>
-              <a:buNone/>
-            </a:pPr>
-            <a:r>
-              <a:rPr lang="en-US" sz="2822" dirty="0">
-                <a:solidFill>
-                  <a:srgbClr val="C7CDD6"/>
-                </a:solidFill>
-                <a:latin typeface="Instrument Sans" pitchFamily="34" charset="0"/>
-                <a:ea typeface="Instrument Sans" pitchFamily="34" charset="-122"/>
-                <a:cs typeface="Instrument Sans" pitchFamily="34" charset="-120"/>
-              </a:rPr>
-              <a:t>Educational Institutions</a:t>
-            </a:r>
-            <a:endParaRPr lang="en-US" sz="2822" dirty="0"/>
-          </a:p>
-        </p:txBody>
-      </p:sp>
-      <p:sp>
-        <p:nvSpPr>
-          <p:cNvPr id="13" name="Text 8"/>
-          <p:cNvSpPr/>
-          <p:nvPr/>
-        </p:nvSpPr>
-        <p:spPr>
-          <a:xfrm>
-            <a:off x="836176" y="6453188"/>
-            <a:ext cx="6299835" cy="1119783"/>
-          </a:xfrm>
-          <a:prstGeom prst="rect">
-            <a:avLst/>
-          </a:prstGeom>
-          <a:noFill/>
-          <a:ln/>
-        </p:spPr>
-        <p:txBody>
-          <a:bodyPr wrap="square" rtlCol="0" anchor="t"/>
-          <a:lstStyle/>
-          <a:p>
-            <a:pPr marL="0" indent="0" algn="l">
-              <a:lnSpc>
-                <a:spcPts val="2940"/>
-              </a:lnSpc>
-              <a:buNone/>
-            </a:pPr>
-            <a:r>
-              <a:rPr lang="en-US" sz="2352" dirty="0">
-                <a:solidFill>
-                  <a:srgbClr val="C7CDD6"/>
-                </a:solidFill>
-                <a:latin typeface="Instrument Sans" pitchFamily="34" charset="0"/>
-                <a:ea typeface="Instrument Sans" pitchFamily="34" charset="-122"/>
-                <a:cs typeface="Instrument Sans" pitchFamily="34" charset="-120"/>
-              </a:rPr>
-              <a:t>Educational institutions can use EventConnect to host online courses, lectures, and other events.</a:t>
-            </a:r>
-            <a:endParaRPr lang="en-US" sz="2352" dirty="0"/>
-          </a:p>
-        </p:txBody>
-      </p:sp>
-      <p:pic>
-        <p:nvPicPr>
-          <p:cNvPr id="14" name="Image 3" descr="preencoded.png"/>
-          <p:cNvPicPr>
-            <a:picLocks noChangeAspect="1"/>
-          </p:cNvPicPr>
-          <p:nvPr/>
-        </p:nvPicPr>
-        <p:blipFill>
-          <a:blip r:embed="rId6"/>
-          <a:stretch>
-            <a:fillRect/>
-          </a:stretch>
-        </p:blipFill>
-        <p:spPr>
-          <a:xfrm>
-            <a:off x="7494389" y="5025866"/>
-            <a:ext cx="597218" cy="597218"/>
-          </a:xfrm>
-          <a:prstGeom prst="rect">
-            <a:avLst/>
-          </a:prstGeom>
-        </p:spPr>
-      </p:pic>
-      <p:sp>
-        <p:nvSpPr>
-          <p:cNvPr id="15" name="Text 9"/>
-          <p:cNvSpPr/>
-          <p:nvPr/>
-        </p:nvSpPr>
-        <p:spPr>
-          <a:xfrm>
-            <a:off x="7494389" y="5861923"/>
-            <a:ext cx="3583781" cy="447913"/>
-          </a:xfrm>
-          <a:prstGeom prst="rect">
-            <a:avLst/>
-          </a:prstGeom>
-          <a:noFill/>
-          <a:ln/>
-        </p:spPr>
-        <p:txBody>
-          <a:bodyPr wrap="none" rtlCol="0" anchor="t"/>
-          <a:lstStyle/>
-          <a:p>
-            <a:pPr marL="0" indent="0" algn="l">
-              <a:lnSpc>
-                <a:spcPts val="3527"/>
-              </a:lnSpc>
-              <a:buNone/>
-            </a:pPr>
-            <a:r>
-              <a:rPr lang="en-US" sz="2822" dirty="0">
-                <a:solidFill>
-                  <a:srgbClr val="C7CDD6"/>
-                </a:solidFill>
-                <a:latin typeface="Instrument Sans" pitchFamily="34" charset="0"/>
-                <a:ea typeface="Instrument Sans" pitchFamily="34" charset="-122"/>
-                <a:cs typeface="Instrument Sans" pitchFamily="34" charset="-120"/>
-              </a:rPr>
-              <a:t>Community Groups</a:t>
-            </a:r>
-            <a:endParaRPr lang="en-US" sz="2822" dirty="0"/>
-          </a:p>
-        </p:txBody>
-      </p:sp>
-      <p:sp>
-        <p:nvSpPr>
-          <p:cNvPr id="16" name="Text 10"/>
-          <p:cNvSpPr/>
-          <p:nvPr/>
-        </p:nvSpPr>
-        <p:spPr>
-          <a:xfrm>
-            <a:off x="7494389" y="6453188"/>
-            <a:ext cx="6299835" cy="746522"/>
-          </a:xfrm>
-          <a:prstGeom prst="rect">
-            <a:avLst/>
-          </a:prstGeom>
-          <a:noFill/>
-          <a:ln/>
-        </p:spPr>
-        <p:txBody>
-          <a:bodyPr wrap="square" rtlCol="0" anchor="t"/>
-          <a:lstStyle/>
-          <a:p>
-            <a:pPr marL="0" indent="0" algn="l">
-              <a:lnSpc>
-                <a:spcPts val="2940"/>
-              </a:lnSpc>
-              <a:buNone/>
-            </a:pPr>
-            <a:r>
-              <a:rPr lang="en-US" sz="2352" dirty="0">
-                <a:solidFill>
-                  <a:srgbClr val="C7CDD6"/>
-                </a:solidFill>
-                <a:latin typeface="Instrument Sans" pitchFamily="34" charset="0"/>
-                <a:ea typeface="Instrument Sans" pitchFamily="34" charset="-122"/>
-                <a:cs typeface="Instrument Sans" pitchFamily="34" charset="-120"/>
-              </a:rPr>
-              <a:t>Community groups can use EventConnect to organize meetings, events, and fundraisers.</a:t>
-            </a:r>
-            <a:endParaRPr lang="en-US" sz="2352" dirty="0"/>
-          </a:p>
-        </p:txBody>
-      </p:sp>
     </p:spTree>
   </p:cSld>
   <p:clrMapOvr>
@@ -6123,51 +5445,9 @@
           <a:ln/>
         </p:spPr>
       </p:sp>
-      <p:sp>
-        <p:nvSpPr>
-          <p:cNvPr id="4" name="Text 2"/>
-          <p:cNvSpPr/>
-          <p:nvPr/>
-        </p:nvSpPr>
-        <p:spPr>
-          <a:xfrm>
-            <a:off x="864037" y="2034897"/>
-            <a:ext cx="7830741" cy="771525"/>
-          </a:xfrm>
-          <a:prstGeom prst="rect">
-            <a:avLst/>
-          </a:prstGeom>
-          <a:noFill/>
-          <a:ln/>
-        </p:spPr>
-        <p:txBody>
-          <a:bodyPr wrap="none" rtlCol="0" anchor="t"/>
-          <a:lstStyle/>
-          <a:p>
-            <a:pPr marL="0" indent="0">
-              <a:lnSpc>
-                <a:spcPts val="6075"/>
-              </a:lnSpc>
-              <a:buNone/>
-            </a:pPr>
-            <a:r>
-              <a:rPr lang="en-US" sz="4860" dirty="0">
-                <a:solidFill>
-                  <a:srgbClr val="EFD5FA"/>
-                </a:solidFill>
-                <a:latin typeface="Instrument Sans" pitchFamily="34" charset="0"/>
-                <a:ea typeface="Instrument Sans" pitchFamily="34" charset="-122"/>
-                <a:cs typeface="Instrument Sans" pitchFamily="34" charset="-120"/>
-              </a:rPr>
-              <a:t>Target Markets (continued)</a:t>
-            </a:r>
-            <a:endParaRPr lang="en-US" sz="4860" dirty="0"/>
-          </a:p>
-        </p:txBody>
-      </p:sp>
       <p:pic>
         <p:nvPicPr>
-          <p:cNvPr id="5" name="Image 0" descr="preencoded.png"/>
+          <p:cNvPr id="4" name="Image 0" descr="preencoded.png"/>
           <p:cNvPicPr>
             <a:picLocks noChangeAspect="1"/>
           </p:cNvPicPr>
@@ -6181,314 +5461,14 @@
         </p:blipFill>
         <p:spPr>
           <a:xfrm>
-            <a:off x="864037" y="3176707"/>
-            <a:ext cx="617220" cy="617220"/>
+            <a:off x="864037" y="735568"/>
+            <a:ext cx="10818495" cy="6758464"/>
           </a:xfrm>
           <a:prstGeom prst="rect">
             <a:avLst/>
           </a:prstGeom>
         </p:spPr>
       </p:pic>
-      <p:sp>
-        <p:nvSpPr>
-          <p:cNvPr id="6" name="Text 3"/>
-          <p:cNvSpPr/>
-          <p:nvPr/>
-        </p:nvSpPr>
-        <p:spPr>
-          <a:xfrm>
-            <a:off x="864037" y="4040743"/>
-            <a:ext cx="4029551" cy="462796"/>
-          </a:xfrm>
-          <a:prstGeom prst="rect">
-            <a:avLst/>
-          </a:prstGeom>
-          <a:noFill/>
-          <a:ln/>
-        </p:spPr>
-        <p:txBody>
-          <a:bodyPr wrap="none" rtlCol="0" anchor="t"/>
-          <a:lstStyle/>
-          <a:p>
-            <a:pPr marL="0" indent="0" algn="l">
-              <a:lnSpc>
-                <a:spcPts val="3645"/>
-              </a:lnSpc>
-              <a:buNone/>
-            </a:pPr>
-            <a:r>
-              <a:rPr lang="en-US" sz="2916" dirty="0">
-                <a:solidFill>
-                  <a:srgbClr val="C7CDD6"/>
-                </a:solidFill>
-                <a:latin typeface="Instrument Sans" pitchFamily="34" charset="0"/>
-                <a:ea typeface="Instrument Sans" pitchFamily="34" charset="-122"/>
-                <a:cs typeface="Instrument Sans" pitchFamily="34" charset="-120"/>
-              </a:rPr>
-              <a:t>Entertainment Industry</a:t>
-            </a:r>
-            <a:endParaRPr lang="en-US" sz="2916" dirty="0"/>
-          </a:p>
-        </p:txBody>
-      </p:sp>
-      <p:sp>
-        <p:nvSpPr>
-          <p:cNvPr id="7" name="Text 4"/>
-          <p:cNvSpPr/>
-          <p:nvPr/>
-        </p:nvSpPr>
-        <p:spPr>
-          <a:xfrm>
-            <a:off x="864037" y="4651653"/>
-            <a:ext cx="4053840" cy="1543050"/>
-          </a:xfrm>
-          <a:prstGeom prst="rect">
-            <a:avLst/>
-          </a:prstGeom>
-          <a:noFill/>
-          <a:ln/>
-        </p:spPr>
-        <p:txBody>
-          <a:bodyPr wrap="square" rtlCol="0" anchor="t"/>
-          <a:lstStyle/>
-          <a:p>
-            <a:pPr marL="0" indent="0" algn="l">
-              <a:lnSpc>
-                <a:spcPts val="3038"/>
-              </a:lnSpc>
-              <a:buNone/>
-            </a:pPr>
-            <a:r>
-              <a:rPr lang="en-US" sz="2430" dirty="0">
-                <a:solidFill>
-                  <a:srgbClr val="C7CDD6"/>
-                </a:solidFill>
-                <a:latin typeface="Instrument Sans" pitchFamily="34" charset="0"/>
-                <a:ea typeface="Instrument Sans" pitchFamily="34" charset="-122"/>
-                <a:cs typeface="Instrument Sans" pitchFamily="34" charset="-120"/>
-              </a:rPr>
-              <a:t>The entertainment industry can use EventConnect to host concerts, festivals, and other events.</a:t>
-            </a:r>
-            <a:endParaRPr lang="en-US" sz="2430" dirty="0"/>
-          </a:p>
-        </p:txBody>
-      </p:sp>
-      <p:pic>
-        <p:nvPicPr>
-          <p:cNvPr id="8" name="Image 1" descr="preencoded.png"/>
-          <p:cNvPicPr>
-            <a:picLocks noChangeAspect="1"/>
-          </p:cNvPicPr>
-          <p:nvPr/>
-        </p:nvPicPr>
-        <p:blipFill>
-          <a:blip r:embed="rId4"/>
-          <a:stretch>
-            <a:fillRect/>
-          </a:stretch>
-        </p:blipFill>
-        <p:spPr>
-          <a:xfrm>
-            <a:off x="5288161" y="3176707"/>
-            <a:ext cx="617220" cy="617220"/>
-          </a:xfrm>
-          <a:prstGeom prst="rect">
-            <a:avLst/>
-          </a:prstGeom>
-        </p:spPr>
-      </p:pic>
-      <p:sp>
-        <p:nvSpPr>
-          <p:cNvPr id="9" name="Text 5"/>
-          <p:cNvSpPr/>
-          <p:nvPr/>
-        </p:nvSpPr>
-        <p:spPr>
-          <a:xfrm>
-            <a:off x="5288161" y="4040743"/>
-            <a:ext cx="3703320" cy="462796"/>
-          </a:xfrm>
-          <a:prstGeom prst="rect">
-            <a:avLst/>
-          </a:prstGeom>
-          <a:noFill/>
-          <a:ln/>
-        </p:spPr>
-        <p:txBody>
-          <a:bodyPr wrap="none" rtlCol="0" anchor="t"/>
-          <a:lstStyle/>
-          <a:p>
-            <a:pPr marL="0" indent="0" algn="l">
-              <a:lnSpc>
-                <a:spcPts val="3645"/>
-              </a:lnSpc>
-              <a:buNone/>
-            </a:pPr>
-            <a:r>
-              <a:rPr lang="en-US" sz="2916" dirty="0">
-                <a:solidFill>
-                  <a:srgbClr val="C7CDD6"/>
-                </a:solidFill>
-                <a:latin typeface="Instrument Sans" pitchFamily="34" charset="0"/>
-                <a:ea typeface="Instrument Sans" pitchFamily="34" charset="-122"/>
-                <a:cs typeface="Instrument Sans" pitchFamily="34" charset="-120"/>
-              </a:rPr>
-              <a:t>Freelancers</a:t>
-            </a:r>
-            <a:endParaRPr lang="en-US" sz="2916" dirty="0"/>
-          </a:p>
-        </p:txBody>
-      </p:sp>
-      <p:sp>
-        <p:nvSpPr>
-          <p:cNvPr id="10" name="Text 6"/>
-          <p:cNvSpPr/>
-          <p:nvPr/>
-        </p:nvSpPr>
-        <p:spPr>
-          <a:xfrm>
-            <a:off x="5288161" y="4651653"/>
-            <a:ext cx="4053959" cy="1543050"/>
-          </a:xfrm>
-          <a:prstGeom prst="rect">
-            <a:avLst/>
-          </a:prstGeom>
-          <a:noFill/>
-          <a:ln/>
-        </p:spPr>
-        <p:txBody>
-          <a:bodyPr wrap="square" rtlCol="0" anchor="t"/>
-          <a:lstStyle/>
-          <a:p>
-            <a:pPr marL="0" indent="0" algn="l">
-              <a:lnSpc>
-                <a:spcPts val="3038"/>
-              </a:lnSpc>
-              <a:buNone/>
-            </a:pPr>
-            <a:r>
-              <a:rPr lang="en-US" sz="2430" dirty="0">
-                <a:solidFill>
-                  <a:srgbClr val="C7CDD6"/>
-                </a:solidFill>
-                <a:latin typeface="Instrument Sans" pitchFamily="34" charset="0"/>
-                <a:ea typeface="Instrument Sans" pitchFamily="34" charset="-122"/>
-                <a:cs typeface="Instrument Sans" pitchFamily="34" charset="-120"/>
-              </a:rPr>
-              <a:t>Freelancers can use EventConnect to host workshops, webinars, and other events.</a:t>
-            </a:r>
-            <a:endParaRPr lang="en-US" sz="2430" dirty="0"/>
-          </a:p>
-        </p:txBody>
-      </p:sp>
-      <p:pic>
-        <p:nvPicPr>
-          <p:cNvPr id="11" name="Image 2" descr="preencoded.png"/>
-          <p:cNvPicPr>
-            <a:picLocks noChangeAspect="1"/>
-          </p:cNvPicPr>
-          <p:nvPr/>
-        </p:nvPicPr>
-        <p:blipFill>
-          <a:blip r:embed="rId5"/>
-          <a:stretch>
-            <a:fillRect/>
-          </a:stretch>
-        </p:blipFill>
-        <p:spPr>
-          <a:xfrm>
-            <a:off x="9712404" y="3176707"/>
-            <a:ext cx="617220" cy="617220"/>
-          </a:xfrm>
-          <a:prstGeom prst="rect">
-            <a:avLst/>
-          </a:prstGeom>
-        </p:spPr>
-      </p:pic>
-      <p:sp>
-        <p:nvSpPr>
-          <p:cNvPr id="12" name="Text 7"/>
-          <p:cNvSpPr/>
-          <p:nvPr/>
-        </p:nvSpPr>
-        <p:spPr>
-          <a:xfrm>
-            <a:off x="9712404" y="4040743"/>
-            <a:ext cx="3703320" cy="462796"/>
-          </a:xfrm>
-          <a:prstGeom prst="rect">
-            <a:avLst/>
-          </a:prstGeom>
-          <a:noFill/>
-          <a:ln/>
-        </p:spPr>
-        <p:txBody>
-          <a:bodyPr wrap="none" rtlCol="0" anchor="t"/>
-          <a:lstStyle/>
-          <a:p>
-            <a:pPr marL="0" indent="0" algn="l">
-              <a:lnSpc>
-                <a:spcPts val="3645"/>
-              </a:lnSpc>
-              <a:buNone/>
-            </a:pPr>
-            <a:r>
-              <a:rPr lang="en-US" sz="2916" dirty="0">
-                <a:solidFill>
-                  <a:srgbClr val="C7CDD6"/>
-                </a:solidFill>
-                <a:latin typeface="Instrument Sans" pitchFamily="34" charset="0"/>
-                <a:ea typeface="Instrument Sans" pitchFamily="34" charset="-122"/>
-                <a:cs typeface="Instrument Sans" pitchFamily="34" charset="-120"/>
-              </a:rPr>
-              <a:t>Small Businesses</a:t>
-            </a:r>
-            <a:endParaRPr lang="en-US" sz="2916" dirty="0"/>
-          </a:p>
-        </p:txBody>
-      </p:sp>
-      <p:sp>
-        <p:nvSpPr>
-          <p:cNvPr id="13" name="Text 8"/>
-          <p:cNvSpPr/>
-          <p:nvPr/>
-        </p:nvSpPr>
-        <p:spPr>
-          <a:xfrm>
-            <a:off x="9712404" y="4651653"/>
-            <a:ext cx="4053840" cy="1543050"/>
-          </a:xfrm>
-          <a:prstGeom prst="rect">
-            <a:avLst/>
-          </a:prstGeom>
-          <a:noFill/>
-          <a:ln/>
-        </p:spPr>
-        <p:txBody>
-          <a:bodyPr wrap="square" rtlCol="0" anchor="t"/>
-          <a:lstStyle/>
-          <a:p>
-            <a:pPr marL="0" indent="0" algn="l">
-              <a:lnSpc>
-                <a:spcPts val="3038"/>
-              </a:lnSpc>
-              <a:buNone/>
-            </a:pPr>
-            <a:r>
-              <a:rPr lang="en-US" sz="2430" dirty="0">
-                <a:solidFill>
-                  <a:srgbClr val="C7CDD6"/>
-                </a:solidFill>
-                <a:latin typeface="Instrument Sans" pitchFamily="34" charset="0"/>
-                <a:ea typeface="Instrument Sans" pitchFamily="34" charset="-122"/>
-                <a:cs typeface="Instrument Sans" pitchFamily="34" charset="-120"/>
-              </a:rPr>
-              <a:t>Small businesses can use EventConnect to host networking events, product launches, and other events.</a:t>
-            </a:r>
-            <a:endParaRPr lang="en-US" sz="2430" dirty="0"/>
-          </a:p>
-        </p:txBody>
-      </p:sp>
     </p:spTree>
   </p:cSld>
   <p:clrMapOvr>
